--- a/Wireless modbus/Eksamen.pptx
+++ b/Wireless modbus/Eksamen.pptx
@@ -123,7 +123,7 @@
 <file path=ppt/revisionInfo.xml><?xml version="1.0" encoding="utf-8"?>
 <p1510:revInfo xmlns:a="http://schemas.openxmlformats.org/drawingml/2006/main" xmlns:r="http://schemas.openxmlformats.org/officeDocument/2006/relationships" xmlns:p1510="http://schemas.microsoft.com/office/powerpoint/2015/10/main">
   <p1510:revLst>
-    <p1510:client id="{0E2379CD-0F0D-43BA-8FC6-D6464C8CD3F7}" v="91" dt="2024-01-09T08:58:11.704"/>
+    <p1510:client id="{0E2379CD-0F0D-43BA-8FC6-D6464C8CD3F7}" v="141" dt="2024-01-15T10:48:40.267"/>
   </p1510:revLst>
 </p1510:revInfo>
 </file>
@@ -132,8 +132,8 @@
 <pc:chgInfo xmlns:a="http://schemas.openxmlformats.org/drawingml/2006/main" xmlns:r="http://schemas.openxmlformats.org/officeDocument/2006/relationships" xmlns:ac="http://schemas.microsoft.com/office/drawing/2013/main/command" xmlns:pc="http://schemas.microsoft.com/office/powerpoint/2013/main/command">
   <pc:docChgLst>
     <pc:chgData name="Magnus tordrup" userId="16589563a1778640" providerId="LiveId" clId="{0E2379CD-0F0D-43BA-8FC6-D6464C8CD3F7}"/>
-    <pc:docChg chg="undo custSel addSld delSld modSld addMainMaster delMainMaster">
-      <pc:chgData name="Magnus tordrup" userId="16589563a1778640" providerId="LiveId" clId="{0E2379CD-0F0D-43BA-8FC6-D6464C8CD3F7}" dt="2024-01-09T10:23:40.336" v="1558" actId="20577"/>
+    <pc:docChg chg="undo redo custSel addSld delSld modSld addMainMaster delMainMaster">
+      <pc:chgData name="Magnus tordrup" userId="16589563a1778640" providerId="LiveId" clId="{0E2379CD-0F0D-43BA-8FC6-D6464C8CD3F7}" dt="2024-01-15T10:48:40.267" v="2058" actId="1076"/>
       <pc:docMkLst>
         <pc:docMk/>
       </pc:docMkLst>
@@ -366,7 +366,7 @@
         </pc:spChg>
       </pc:sldChg>
       <pc:sldChg chg="addSp delSp modSp add mod">
-        <pc:chgData name="Magnus tordrup" userId="16589563a1778640" providerId="LiveId" clId="{0E2379CD-0F0D-43BA-8FC6-D6464C8CD3F7}" dt="2024-01-08T09:51:43.464" v="883" actId="20577"/>
+        <pc:chgData name="Magnus tordrup" userId="16589563a1778640" providerId="LiveId" clId="{0E2379CD-0F0D-43BA-8FC6-D6464C8CD3F7}" dt="2024-01-15T10:37:57.084" v="2049" actId="1076"/>
         <pc:sldMkLst>
           <pc:docMk/>
           <pc:sldMk cId="1528085625" sldId="260"/>
@@ -380,13 +380,21 @@
           </ac:spMkLst>
         </pc:spChg>
         <pc:spChg chg="mod">
-          <ac:chgData name="Magnus tordrup" userId="16589563a1778640" providerId="LiveId" clId="{0E2379CD-0F0D-43BA-8FC6-D6464C8CD3F7}" dt="2024-01-08T09:45:04.963" v="821" actId="313"/>
+          <ac:chgData name="Magnus tordrup" userId="16589563a1778640" providerId="LiveId" clId="{0E2379CD-0F0D-43BA-8FC6-D6464C8CD3F7}" dt="2024-01-15T09:52:16.816" v="1572" actId="14100"/>
           <ac:spMkLst>
             <pc:docMk/>
             <pc:sldMk cId="1528085625" sldId="260"/>
             <ac:spMk id="3" creationId="{57C9E555-E8BC-FDE0-00A1-5F4213973E26}"/>
           </ac:spMkLst>
         </pc:spChg>
+        <pc:spChg chg="add mod">
+          <ac:chgData name="Magnus tordrup" userId="16589563a1778640" providerId="LiveId" clId="{0E2379CD-0F0D-43BA-8FC6-D6464C8CD3F7}" dt="2024-01-15T10:12:48.970" v="1763" actId="14100"/>
+          <ac:spMkLst>
+            <pc:docMk/>
+            <pc:sldMk cId="1528085625" sldId="260"/>
+            <ac:spMk id="6" creationId="{B93020A5-A82A-9B2B-6885-EF1EC11F6F2B}"/>
+          </ac:spMkLst>
+        </pc:spChg>
         <pc:spChg chg="add del">
           <ac:chgData name="Magnus tordrup" userId="16589563a1778640" providerId="LiveId" clId="{0E2379CD-0F0D-43BA-8FC6-D6464C8CD3F7}" dt="2024-01-08T09:50:20.920" v="855" actId="11529"/>
           <ac:spMkLst>
@@ -396,7 +404,7 @@
           </ac:spMkLst>
         </pc:spChg>
         <pc:spChg chg="add mod">
-          <ac:chgData name="Magnus tordrup" userId="16589563a1778640" providerId="LiveId" clId="{0E2379CD-0F0D-43BA-8FC6-D6464C8CD3F7}" dt="2024-01-08T09:50:53.451" v="859" actId="14100"/>
+          <ac:chgData name="Magnus tordrup" userId="16589563a1778640" providerId="LiveId" clId="{0E2379CD-0F0D-43BA-8FC6-D6464C8CD3F7}" dt="2024-01-15T10:12:29.537" v="1760" actId="14100"/>
           <ac:spMkLst>
             <pc:docMk/>
             <pc:sldMk cId="1528085625" sldId="260"/>
@@ -404,22 +412,510 @@
           </ac:spMkLst>
         </pc:spChg>
         <pc:spChg chg="add mod">
-          <ac:chgData name="Magnus tordrup" userId="16589563a1778640" providerId="LiveId" clId="{0E2379CD-0F0D-43BA-8FC6-D6464C8CD3F7}" dt="2024-01-08T09:51:43.464" v="883" actId="20577"/>
+          <ac:chgData name="Magnus tordrup" userId="16589563a1778640" providerId="LiveId" clId="{0E2379CD-0F0D-43BA-8FC6-D6464C8CD3F7}" dt="2024-01-15T10:11:57.731" v="1758" actId="255"/>
           <ac:spMkLst>
             <pc:docMk/>
             <pc:sldMk cId="1528085625" sldId="260"/>
             <ac:spMk id="8" creationId="{25308A26-DF50-9653-E5EC-96927F79810D}"/>
           </ac:spMkLst>
         </pc:spChg>
+        <pc:spChg chg="add mod">
+          <ac:chgData name="Magnus tordrup" userId="16589563a1778640" providerId="LiveId" clId="{0E2379CD-0F0D-43BA-8FC6-D6464C8CD3F7}" dt="2024-01-15T10:13:14.411" v="1770" actId="14100"/>
+          <ac:spMkLst>
+            <pc:docMk/>
+            <pc:sldMk cId="1528085625" sldId="260"/>
+            <ac:spMk id="9" creationId="{67AA703B-B273-7DC1-0C71-92DAFBCD4A51}"/>
+          </ac:spMkLst>
+        </pc:spChg>
+        <pc:spChg chg="add mod">
+          <ac:chgData name="Magnus tordrup" userId="16589563a1778640" providerId="LiveId" clId="{0E2379CD-0F0D-43BA-8FC6-D6464C8CD3F7}" dt="2024-01-15T10:21:37.411" v="1829" actId="1076"/>
+          <ac:spMkLst>
+            <pc:docMk/>
+            <pc:sldMk cId="1528085625" sldId="260"/>
+            <ac:spMk id="10" creationId="{CB95B36D-82CB-74EC-1D49-02FA5DFA9AD6}"/>
+          </ac:spMkLst>
+        </pc:spChg>
+        <pc:spChg chg="add del mod">
+          <ac:chgData name="Magnus tordrup" userId="16589563a1778640" providerId="LiveId" clId="{0E2379CD-0F0D-43BA-8FC6-D6464C8CD3F7}" dt="2024-01-15T10:03:29.186" v="1718"/>
+          <ac:spMkLst>
+            <pc:docMk/>
+            <pc:sldMk cId="1528085625" sldId="260"/>
+            <ac:spMk id="11" creationId="{94854916-DB07-7AEE-8A9F-9440AB7707B7}"/>
+          </ac:spMkLst>
+        </pc:spChg>
+        <pc:spChg chg="add del mod">
+          <ac:chgData name="Magnus tordrup" userId="16589563a1778640" providerId="LiveId" clId="{0E2379CD-0F0D-43BA-8FC6-D6464C8CD3F7}" dt="2024-01-15T10:22:32.898" v="1846" actId="478"/>
+          <ac:spMkLst>
+            <pc:docMk/>
+            <pc:sldMk cId="1528085625" sldId="260"/>
+            <ac:spMk id="12" creationId="{BDE8344F-4D94-E22D-7CC9-EE7E41CF1E27}"/>
+          </ac:spMkLst>
+        </pc:spChg>
+        <pc:spChg chg="add mod">
+          <ac:chgData name="Magnus tordrup" userId="16589563a1778640" providerId="LiveId" clId="{0E2379CD-0F0D-43BA-8FC6-D6464C8CD3F7}" dt="2024-01-15T10:13:29.554" v="1778" actId="14100"/>
+          <ac:spMkLst>
+            <pc:docMk/>
+            <pc:sldMk cId="1528085625" sldId="260"/>
+            <ac:spMk id="13" creationId="{968E8900-A696-7D7C-BA22-018FDF62DCD6}"/>
+          </ac:spMkLst>
+        </pc:spChg>
+        <pc:spChg chg="add del mod">
+          <ac:chgData name="Magnus tordrup" userId="16589563a1778640" providerId="LiveId" clId="{0E2379CD-0F0D-43BA-8FC6-D6464C8CD3F7}" dt="2024-01-15T10:23:13.772" v="1858" actId="478"/>
+          <ac:spMkLst>
+            <pc:docMk/>
+            <pc:sldMk cId="1528085625" sldId="260"/>
+            <ac:spMk id="14" creationId="{51277F7F-3878-916B-6390-4E7E07332C56}"/>
+          </ac:spMkLst>
+        </pc:spChg>
+        <pc:spChg chg="add mod ord">
+          <ac:chgData name="Magnus tordrup" userId="16589563a1778640" providerId="LiveId" clId="{0E2379CD-0F0D-43BA-8FC6-D6464C8CD3F7}" dt="2024-01-15T10:31:40.676" v="1898" actId="208"/>
+          <ac:spMkLst>
+            <pc:docMk/>
+            <pc:sldMk cId="1528085625" sldId="260"/>
+            <ac:spMk id="15" creationId="{E1A82B61-FE1C-790D-6D2D-9FB595CCB632}"/>
+          </ac:spMkLst>
+        </pc:spChg>
+        <pc:spChg chg="add del mod">
+          <ac:chgData name="Magnus tordrup" userId="16589563a1778640" providerId="LiveId" clId="{0E2379CD-0F0D-43BA-8FC6-D6464C8CD3F7}" dt="2024-01-15T10:24:37.189" v="1868" actId="478"/>
+          <ac:spMkLst>
+            <pc:docMk/>
+            <pc:sldMk cId="1528085625" sldId="260"/>
+            <ac:spMk id="16" creationId="{82A7D3D5-343E-D715-6C60-FF69DCF0D24E}"/>
+          </ac:spMkLst>
+        </pc:spChg>
+        <pc:spChg chg="add del mod">
+          <ac:chgData name="Magnus tordrup" userId="16589563a1778640" providerId="LiveId" clId="{0E2379CD-0F0D-43BA-8FC6-D6464C8CD3F7}" dt="2024-01-15T10:22:12.644" v="1841"/>
+          <ac:spMkLst>
+            <pc:docMk/>
+            <pc:sldMk cId="1528085625" sldId="260"/>
+            <ac:spMk id="17" creationId="{9B15AC4C-E20C-A001-B56D-A79FCAB0A553}"/>
+          </ac:spMkLst>
+        </pc:spChg>
+        <pc:spChg chg="add mod ord">
+          <ac:chgData name="Magnus tordrup" userId="16589563a1778640" providerId="LiveId" clId="{0E2379CD-0F0D-43BA-8FC6-D6464C8CD3F7}" dt="2024-01-15T10:31:38.330" v="1897" actId="208"/>
+          <ac:spMkLst>
+            <pc:docMk/>
+            <pc:sldMk cId="1528085625" sldId="260"/>
+            <ac:spMk id="18" creationId="{E309C612-66C6-D4F1-BF23-4B96778272BE}"/>
+          </ac:spMkLst>
+        </pc:spChg>
+        <pc:spChg chg="add del mod">
+          <ac:chgData name="Magnus tordrup" userId="16589563a1778640" providerId="LiveId" clId="{0E2379CD-0F0D-43BA-8FC6-D6464C8CD3F7}" dt="2024-01-15T10:25:29.219" v="1879" actId="478"/>
+          <ac:spMkLst>
+            <pc:docMk/>
+            <pc:sldMk cId="1528085625" sldId="260"/>
+            <ac:spMk id="19" creationId="{80848CF7-208F-3684-F163-CA095760A712}"/>
+          </ac:spMkLst>
+        </pc:spChg>
+        <pc:spChg chg="add mod">
+          <ac:chgData name="Magnus tordrup" userId="16589563a1778640" providerId="LiveId" clId="{0E2379CD-0F0D-43BA-8FC6-D6464C8CD3F7}" dt="2024-01-15T10:14:15.896" v="1785" actId="14100"/>
+          <ac:spMkLst>
+            <pc:docMk/>
+            <pc:sldMk cId="1528085625" sldId="260"/>
+            <ac:spMk id="20" creationId="{A651F4D6-BD34-AF1D-ACE9-FF2F36F395BD}"/>
+          </ac:spMkLst>
+        </pc:spChg>
+        <pc:spChg chg="add mod">
+          <ac:chgData name="Magnus tordrup" userId="16589563a1778640" providerId="LiveId" clId="{0E2379CD-0F0D-43BA-8FC6-D6464C8CD3F7}" dt="2024-01-15T10:14:29.984" v="1787" actId="1076"/>
+          <ac:spMkLst>
+            <pc:docMk/>
+            <pc:sldMk cId="1528085625" sldId="260"/>
+            <ac:spMk id="21" creationId="{878D7719-B401-7FF7-04C4-89EF635D6797}"/>
+          </ac:spMkLst>
+        </pc:spChg>
+        <pc:spChg chg="add mod">
+          <ac:chgData name="Magnus tordrup" userId="16589563a1778640" providerId="LiveId" clId="{0E2379CD-0F0D-43BA-8FC6-D6464C8CD3F7}" dt="2024-01-15T10:35:02.064" v="1964" actId="14100"/>
+          <ac:spMkLst>
+            <pc:docMk/>
+            <pc:sldMk cId="1528085625" sldId="260"/>
+            <ac:spMk id="22" creationId="{117AEC93-7C12-5EAA-5A87-5D679851F0AB}"/>
+          </ac:spMkLst>
+        </pc:spChg>
+        <pc:spChg chg="add del mod">
+          <ac:chgData name="Magnus tordrup" userId="16589563a1778640" providerId="LiveId" clId="{0E2379CD-0F0D-43BA-8FC6-D6464C8CD3F7}" dt="2024-01-15T10:29:12.697" v="1894" actId="478"/>
+          <ac:spMkLst>
+            <pc:docMk/>
+            <pc:sldMk cId="1528085625" sldId="260"/>
+            <ac:spMk id="23" creationId="{9345E6D3-077B-C814-A0FB-5D65103FBC2E}"/>
+          </ac:spMkLst>
+        </pc:spChg>
+        <pc:spChg chg="add del mod">
+          <ac:chgData name="Magnus tordrup" userId="16589563a1778640" providerId="LiveId" clId="{0E2379CD-0F0D-43BA-8FC6-D6464C8CD3F7}" dt="2024-01-15T10:29:12.697" v="1894" actId="478"/>
+          <ac:spMkLst>
+            <pc:docMk/>
+            <pc:sldMk cId="1528085625" sldId="260"/>
+            <ac:spMk id="24" creationId="{C106DC64-F12F-3BFF-7CCC-264D5AC1FDF5}"/>
+          </ac:spMkLst>
+        </pc:spChg>
+        <pc:spChg chg="add del mod">
+          <ac:chgData name="Magnus tordrup" userId="16589563a1778640" providerId="LiveId" clId="{0E2379CD-0F0D-43BA-8FC6-D6464C8CD3F7}" dt="2024-01-15T10:29:12.697" v="1894" actId="478"/>
+          <ac:spMkLst>
+            <pc:docMk/>
+            <pc:sldMk cId="1528085625" sldId="260"/>
+            <ac:spMk id="25" creationId="{B4964008-CC2F-2457-A3C0-663D1D5BAFC3}"/>
+          </ac:spMkLst>
+        </pc:spChg>
+        <pc:spChg chg="add del mod">
+          <ac:chgData name="Magnus tordrup" userId="16589563a1778640" providerId="LiveId" clId="{0E2379CD-0F0D-43BA-8FC6-D6464C8CD3F7}" dt="2024-01-15T10:29:12.697" v="1894" actId="478"/>
+          <ac:spMkLst>
+            <pc:docMk/>
+            <pc:sldMk cId="1528085625" sldId="260"/>
+            <ac:spMk id="26" creationId="{03DF85F1-840D-1D5E-C3FD-7A5D177B65CA}"/>
+          </ac:spMkLst>
+        </pc:spChg>
+        <pc:spChg chg="add del mod">
+          <ac:chgData name="Magnus tordrup" userId="16589563a1778640" providerId="LiveId" clId="{0E2379CD-0F0D-43BA-8FC6-D6464C8CD3F7}" dt="2024-01-15T10:29:12.697" v="1894" actId="478"/>
+          <ac:spMkLst>
+            <pc:docMk/>
+            <pc:sldMk cId="1528085625" sldId="260"/>
+            <ac:spMk id="27" creationId="{AAEFB3B0-313F-A975-A176-F5FCFC630369}"/>
+          </ac:spMkLst>
+        </pc:spChg>
+        <pc:spChg chg="add del mod">
+          <ac:chgData name="Magnus tordrup" userId="16589563a1778640" providerId="LiveId" clId="{0E2379CD-0F0D-43BA-8FC6-D6464C8CD3F7}" dt="2024-01-15T10:29:12.697" v="1894" actId="478"/>
+          <ac:spMkLst>
+            <pc:docMk/>
+            <pc:sldMk cId="1528085625" sldId="260"/>
+            <ac:spMk id="28" creationId="{6EEC3596-8B4A-19E2-FEE3-66CEC7145511}"/>
+          </ac:spMkLst>
+        </pc:spChg>
+        <pc:spChg chg="add del mod">
+          <ac:chgData name="Magnus tordrup" userId="16589563a1778640" providerId="LiveId" clId="{0E2379CD-0F0D-43BA-8FC6-D6464C8CD3F7}" dt="2024-01-15T10:29:12.697" v="1894" actId="478"/>
+          <ac:spMkLst>
+            <pc:docMk/>
+            <pc:sldMk cId="1528085625" sldId="260"/>
+            <ac:spMk id="29" creationId="{EB2A6C08-7A69-493C-83A0-742DD3C1119C}"/>
+          </ac:spMkLst>
+        </pc:spChg>
+        <pc:spChg chg="add del mod">
+          <ac:chgData name="Magnus tordrup" userId="16589563a1778640" providerId="LiveId" clId="{0E2379CD-0F0D-43BA-8FC6-D6464C8CD3F7}" dt="2024-01-15T10:29:12.697" v="1894" actId="478"/>
+          <ac:spMkLst>
+            <pc:docMk/>
+            <pc:sldMk cId="1528085625" sldId="260"/>
+            <ac:spMk id="30" creationId="{29EF261E-9082-95CA-C172-937FC5335DAB}"/>
+          </ac:spMkLst>
+        </pc:spChg>
+        <pc:spChg chg="add del mod">
+          <ac:chgData name="Magnus tordrup" userId="16589563a1778640" providerId="LiveId" clId="{0E2379CD-0F0D-43BA-8FC6-D6464C8CD3F7}" dt="2024-01-15T10:29:12.697" v="1894" actId="478"/>
+          <ac:spMkLst>
+            <pc:docMk/>
+            <pc:sldMk cId="1528085625" sldId="260"/>
+            <ac:spMk id="31" creationId="{95576B3D-5D6B-92AF-3FEA-E45DB1853894}"/>
+          </ac:spMkLst>
+        </pc:spChg>
+        <pc:spChg chg="add del mod">
+          <ac:chgData name="Magnus tordrup" userId="16589563a1778640" providerId="LiveId" clId="{0E2379CD-0F0D-43BA-8FC6-D6464C8CD3F7}" dt="2024-01-15T10:29:12.697" v="1894" actId="478"/>
+          <ac:spMkLst>
+            <pc:docMk/>
+            <pc:sldMk cId="1528085625" sldId="260"/>
+            <ac:spMk id="32" creationId="{B5F24C10-5985-F3BF-392D-A0DE4CA69385}"/>
+          </ac:spMkLst>
+        </pc:spChg>
+        <pc:spChg chg="add del mod">
+          <ac:chgData name="Magnus tordrup" userId="16589563a1778640" providerId="LiveId" clId="{0E2379CD-0F0D-43BA-8FC6-D6464C8CD3F7}" dt="2024-01-15T10:29:12.697" v="1894" actId="478"/>
+          <ac:spMkLst>
+            <pc:docMk/>
+            <pc:sldMk cId="1528085625" sldId="260"/>
+            <ac:spMk id="33" creationId="{45F2578A-F135-43BC-97F8-990488C2A051}"/>
+          </ac:spMkLst>
+        </pc:spChg>
+        <pc:spChg chg="add del mod">
+          <ac:chgData name="Magnus tordrup" userId="16589563a1778640" providerId="LiveId" clId="{0E2379CD-0F0D-43BA-8FC6-D6464C8CD3F7}" dt="2024-01-15T10:29:12.697" v="1894" actId="478"/>
+          <ac:spMkLst>
+            <pc:docMk/>
+            <pc:sldMk cId="1528085625" sldId="260"/>
+            <ac:spMk id="34" creationId="{FF57FB82-130E-A191-E245-A7272F81D15F}"/>
+          </ac:spMkLst>
+        </pc:spChg>
+        <pc:spChg chg="add del mod">
+          <ac:chgData name="Magnus tordrup" userId="16589563a1778640" providerId="LiveId" clId="{0E2379CD-0F0D-43BA-8FC6-D6464C8CD3F7}" dt="2024-01-15T10:29:12.697" v="1894" actId="478"/>
+          <ac:spMkLst>
+            <pc:docMk/>
+            <pc:sldMk cId="1528085625" sldId="260"/>
+            <ac:spMk id="35" creationId="{46083BC9-B81E-9C2C-7E4D-0242D2D23D53}"/>
+          </ac:spMkLst>
+        </pc:spChg>
+        <pc:spChg chg="add del mod">
+          <ac:chgData name="Magnus tordrup" userId="16589563a1778640" providerId="LiveId" clId="{0E2379CD-0F0D-43BA-8FC6-D6464C8CD3F7}" dt="2024-01-15T10:29:12.697" v="1894" actId="478"/>
+          <ac:spMkLst>
+            <pc:docMk/>
+            <pc:sldMk cId="1528085625" sldId="260"/>
+            <ac:spMk id="36" creationId="{11A23585-B3D0-8B91-5E5F-E432BE78A42D}"/>
+          </ac:spMkLst>
+        </pc:spChg>
+        <pc:spChg chg="add del mod">
+          <ac:chgData name="Magnus tordrup" userId="16589563a1778640" providerId="LiveId" clId="{0E2379CD-0F0D-43BA-8FC6-D6464C8CD3F7}" dt="2024-01-15T10:29:12.697" v="1894" actId="478"/>
+          <ac:spMkLst>
+            <pc:docMk/>
+            <pc:sldMk cId="1528085625" sldId="260"/>
+            <ac:spMk id="37" creationId="{0074AF10-B15C-8C92-7CFF-ACD49964BB9D}"/>
+          </ac:spMkLst>
+        </pc:spChg>
+        <pc:spChg chg="add del mod">
+          <ac:chgData name="Magnus tordrup" userId="16589563a1778640" providerId="LiveId" clId="{0E2379CD-0F0D-43BA-8FC6-D6464C8CD3F7}" dt="2024-01-15T10:16:59.299" v="1800"/>
+          <ac:spMkLst>
+            <pc:docMk/>
+            <pc:sldMk cId="1528085625" sldId="260"/>
+            <ac:spMk id="38" creationId="{52C83FBE-1133-3F28-DEC0-5D8875124C8E}"/>
+          </ac:spMkLst>
+        </pc:spChg>
+        <pc:spChg chg="add del mod">
+          <ac:chgData name="Magnus tordrup" userId="16589563a1778640" providerId="LiveId" clId="{0E2379CD-0F0D-43BA-8FC6-D6464C8CD3F7}" dt="2024-01-15T10:16:59.299" v="1800"/>
+          <ac:spMkLst>
+            <pc:docMk/>
+            <pc:sldMk cId="1528085625" sldId="260"/>
+            <ac:spMk id="39" creationId="{DFD856D5-7685-2235-10F0-0B240A2D12DC}"/>
+          </ac:spMkLst>
+        </pc:spChg>
+        <pc:spChg chg="add del mod">
+          <ac:chgData name="Magnus tordrup" userId="16589563a1778640" providerId="LiveId" clId="{0E2379CD-0F0D-43BA-8FC6-D6464C8CD3F7}" dt="2024-01-15T10:16:59.299" v="1800"/>
+          <ac:spMkLst>
+            <pc:docMk/>
+            <pc:sldMk cId="1528085625" sldId="260"/>
+            <ac:spMk id="40" creationId="{2A25907E-0651-4DB3-E449-AD497F005745}"/>
+          </ac:spMkLst>
+        </pc:spChg>
+        <pc:spChg chg="add del mod">
+          <ac:chgData name="Magnus tordrup" userId="16589563a1778640" providerId="LiveId" clId="{0E2379CD-0F0D-43BA-8FC6-D6464C8CD3F7}" dt="2024-01-15T10:16:59.299" v="1800"/>
+          <ac:spMkLst>
+            <pc:docMk/>
+            <pc:sldMk cId="1528085625" sldId="260"/>
+            <ac:spMk id="41" creationId="{0C109D38-CA6A-2467-8DAB-239D54238236}"/>
+          </ac:spMkLst>
+        </pc:spChg>
+        <pc:spChg chg="add del mod">
+          <ac:chgData name="Magnus tordrup" userId="16589563a1778640" providerId="LiveId" clId="{0E2379CD-0F0D-43BA-8FC6-D6464C8CD3F7}" dt="2024-01-15T10:29:12.697" v="1894" actId="478"/>
+          <ac:spMkLst>
+            <pc:docMk/>
+            <pc:sldMk cId="1528085625" sldId="260"/>
+            <ac:spMk id="42" creationId="{47F52959-C54F-F131-9EF5-76A2283FD236}"/>
+          </ac:spMkLst>
+        </pc:spChg>
+        <pc:spChg chg="add del mod">
+          <ac:chgData name="Magnus tordrup" userId="16589563a1778640" providerId="LiveId" clId="{0E2379CD-0F0D-43BA-8FC6-D6464C8CD3F7}" dt="2024-01-15T10:29:12.697" v="1894" actId="478"/>
+          <ac:spMkLst>
+            <pc:docMk/>
+            <pc:sldMk cId="1528085625" sldId="260"/>
+            <ac:spMk id="43" creationId="{27D12231-480C-5DA8-5114-4D753326629A}"/>
+          </ac:spMkLst>
+        </pc:spChg>
+        <pc:spChg chg="add del mod">
+          <ac:chgData name="Magnus tordrup" userId="16589563a1778640" providerId="LiveId" clId="{0E2379CD-0F0D-43BA-8FC6-D6464C8CD3F7}" dt="2024-01-15T10:29:12.697" v="1894" actId="478"/>
+          <ac:spMkLst>
+            <pc:docMk/>
+            <pc:sldMk cId="1528085625" sldId="260"/>
+            <ac:spMk id="44" creationId="{EE1472DE-62A8-91E2-E629-0A8740CCCCFD}"/>
+          </ac:spMkLst>
+        </pc:spChg>
+        <pc:spChg chg="add del mod">
+          <ac:chgData name="Magnus tordrup" userId="16589563a1778640" providerId="LiveId" clId="{0E2379CD-0F0D-43BA-8FC6-D6464C8CD3F7}" dt="2024-01-15T10:29:12.697" v="1894" actId="478"/>
+          <ac:spMkLst>
+            <pc:docMk/>
+            <pc:sldMk cId="1528085625" sldId="260"/>
+            <ac:spMk id="45" creationId="{F701365D-09F2-1A74-4C2C-737131EBB438}"/>
+          </ac:spMkLst>
+        </pc:spChg>
+        <pc:spChg chg="add del mod">
+          <ac:chgData name="Magnus tordrup" userId="16589563a1778640" providerId="LiveId" clId="{0E2379CD-0F0D-43BA-8FC6-D6464C8CD3F7}" dt="2024-01-15T10:29:12.697" v="1894" actId="478"/>
+          <ac:spMkLst>
+            <pc:docMk/>
+            <pc:sldMk cId="1528085625" sldId="260"/>
+            <ac:spMk id="46" creationId="{E22481A2-3B1A-95DC-48C5-118D985F8377}"/>
+          </ac:spMkLst>
+        </pc:spChg>
+        <pc:spChg chg="add del mod">
+          <ac:chgData name="Magnus tordrup" userId="16589563a1778640" providerId="LiveId" clId="{0E2379CD-0F0D-43BA-8FC6-D6464C8CD3F7}" dt="2024-01-15T10:29:12.697" v="1894" actId="478"/>
+          <ac:spMkLst>
+            <pc:docMk/>
+            <pc:sldMk cId="1528085625" sldId="260"/>
+            <ac:spMk id="47" creationId="{884047FD-0A56-CFA9-3A08-AE837A2651F9}"/>
+          </ac:spMkLst>
+        </pc:spChg>
+        <pc:spChg chg="add del mod">
+          <ac:chgData name="Magnus tordrup" userId="16589563a1778640" providerId="LiveId" clId="{0E2379CD-0F0D-43BA-8FC6-D6464C8CD3F7}" dt="2024-01-15T10:29:12.697" v="1894" actId="478"/>
+          <ac:spMkLst>
+            <pc:docMk/>
+            <pc:sldMk cId="1528085625" sldId="260"/>
+            <ac:spMk id="48" creationId="{DDFE9881-7BC1-545A-1F84-F795454001AA}"/>
+          </ac:spMkLst>
+        </pc:spChg>
+        <pc:spChg chg="add del mod">
+          <ac:chgData name="Magnus tordrup" userId="16589563a1778640" providerId="LiveId" clId="{0E2379CD-0F0D-43BA-8FC6-D6464C8CD3F7}" dt="2024-01-15T10:36:53.768" v="2016" actId="478"/>
+          <ac:spMkLst>
+            <pc:docMk/>
+            <pc:sldMk cId="1528085625" sldId="260"/>
+            <ac:spMk id="49" creationId="{86E389E0-39D1-48FB-D1DF-A22EA11AAB0D}"/>
+          </ac:spMkLst>
+        </pc:spChg>
+        <pc:spChg chg="add mod">
+          <ac:chgData name="Magnus tordrup" userId="16589563a1778640" providerId="LiveId" clId="{0E2379CD-0F0D-43BA-8FC6-D6464C8CD3F7}" dt="2024-01-15T10:18:23.889" v="1812" actId="14100"/>
+          <ac:spMkLst>
+            <pc:docMk/>
+            <pc:sldMk cId="1528085625" sldId="260"/>
+            <ac:spMk id="50" creationId="{AE459E57-0FEF-ACE5-5ED8-23D15F6EFB89}"/>
+          </ac:spMkLst>
+        </pc:spChg>
+        <pc:spChg chg="add mod">
+          <ac:chgData name="Magnus tordrup" userId="16589563a1778640" providerId="LiveId" clId="{0E2379CD-0F0D-43BA-8FC6-D6464C8CD3F7}" dt="2024-01-15T10:22:55.220" v="1854" actId="1076"/>
+          <ac:spMkLst>
+            <pc:docMk/>
+            <pc:sldMk cId="1528085625" sldId="260"/>
+            <ac:spMk id="51" creationId="{CBD42F0E-7AB1-5AF3-1513-037392E1EFAA}"/>
+          </ac:spMkLst>
+        </pc:spChg>
+        <pc:spChg chg="add mod">
+          <ac:chgData name="Magnus tordrup" userId="16589563a1778640" providerId="LiveId" clId="{0E2379CD-0F0D-43BA-8FC6-D6464C8CD3F7}" dt="2024-01-15T10:23:32.811" v="1862" actId="1076"/>
+          <ac:spMkLst>
+            <pc:docMk/>
+            <pc:sldMk cId="1528085625" sldId="260"/>
+            <ac:spMk id="52" creationId="{90B5D2EA-3447-AA5D-E0F9-EAA9490DC533}"/>
+          </ac:spMkLst>
+        </pc:spChg>
+        <pc:spChg chg="add mod">
+          <ac:chgData name="Magnus tordrup" userId="16589563a1778640" providerId="LiveId" clId="{0E2379CD-0F0D-43BA-8FC6-D6464C8CD3F7}" dt="2024-01-15T10:23:45.313" v="1864" actId="1076"/>
+          <ac:spMkLst>
+            <pc:docMk/>
+            <pc:sldMk cId="1528085625" sldId="260"/>
+            <ac:spMk id="53" creationId="{46652DD9-26A1-4143-5089-7828B6827CAD}"/>
+          </ac:spMkLst>
+        </pc:spChg>
+        <pc:spChg chg="add mod">
+          <ac:chgData name="Magnus tordrup" userId="16589563a1778640" providerId="LiveId" clId="{0E2379CD-0F0D-43BA-8FC6-D6464C8CD3F7}" dt="2024-01-15T10:31:50.616" v="1901" actId="207"/>
+          <ac:spMkLst>
+            <pc:docMk/>
+            <pc:sldMk cId="1528085625" sldId="260"/>
+            <ac:spMk id="54" creationId="{7F536E03-8667-69B0-019A-90BB44BD8D42}"/>
+          </ac:spMkLst>
+        </pc:spChg>
+        <pc:spChg chg="add mod">
+          <ac:chgData name="Magnus tordrup" userId="16589563a1778640" providerId="LiveId" clId="{0E2379CD-0F0D-43BA-8FC6-D6464C8CD3F7}" dt="2024-01-15T10:31:58.089" v="1902" actId="207"/>
+          <ac:spMkLst>
+            <pc:docMk/>
+            <pc:sldMk cId="1528085625" sldId="260"/>
+            <ac:spMk id="55" creationId="{94C7B7C3-CA6F-BD6B-BC02-23520EDCC617}"/>
+          </ac:spMkLst>
+        </pc:spChg>
+        <pc:spChg chg="add mod">
+          <ac:chgData name="Magnus tordrup" userId="16589563a1778640" providerId="LiveId" clId="{0E2379CD-0F0D-43BA-8FC6-D6464C8CD3F7}" dt="2024-01-15T10:34:01.012" v="1937" actId="20577"/>
+          <ac:spMkLst>
+            <pc:docMk/>
+            <pc:sldMk cId="1528085625" sldId="260"/>
+            <ac:spMk id="56" creationId="{6A26D98F-F63E-6149-AFBB-093F32C461C0}"/>
+          </ac:spMkLst>
+        </pc:spChg>
+        <pc:spChg chg="add mod">
+          <ac:chgData name="Magnus tordrup" userId="16589563a1778640" providerId="LiveId" clId="{0E2379CD-0F0D-43BA-8FC6-D6464C8CD3F7}" dt="2024-01-15T10:34:06.058" v="1938" actId="1076"/>
+          <ac:spMkLst>
+            <pc:docMk/>
+            <pc:sldMk cId="1528085625" sldId="260"/>
+            <ac:spMk id="57" creationId="{339E6D49-C1D8-9375-ADB1-6E3D897ADD99}"/>
+          </ac:spMkLst>
+        </pc:spChg>
+        <pc:spChg chg="add mod">
+          <ac:chgData name="Magnus tordrup" userId="16589563a1778640" providerId="LiveId" clId="{0E2379CD-0F0D-43BA-8FC6-D6464C8CD3F7}" dt="2024-01-15T10:34:38.104" v="1960" actId="1076"/>
+          <ac:spMkLst>
+            <pc:docMk/>
+            <pc:sldMk cId="1528085625" sldId="260"/>
+            <ac:spMk id="58" creationId="{60E008A9-D338-16BB-DB3B-17EC34524EFF}"/>
+          </ac:spMkLst>
+        </pc:spChg>
+        <pc:spChg chg="add mod">
+          <ac:chgData name="Magnus tordrup" userId="16589563a1778640" providerId="LiveId" clId="{0E2379CD-0F0D-43BA-8FC6-D6464C8CD3F7}" dt="2024-01-15T10:35:36.917" v="1979" actId="14100"/>
+          <ac:spMkLst>
+            <pc:docMk/>
+            <pc:sldMk cId="1528085625" sldId="260"/>
+            <ac:spMk id="59" creationId="{9F1B9648-AC42-EFD0-5FF3-3C388A63F704}"/>
+          </ac:spMkLst>
+        </pc:spChg>
+        <pc:spChg chg="add mod">
+          <ac:chgData name="Magnus tordrup" userId="16589563a1778640" providerId="LiveId" clId="{0E2379CD-0F0D-43BA-8FC6-D6464C8CD3F7}" dt="2024-01-15T10:35:20.165" v="1976" actId="1076"/>
+          <ac:spMkLst>
+            <pc:docMk/>
+            <pc:sldMk cId="1528085625" sldId="260"/>
+            <ac:spMk id="60" creationId="{473F533A-5F2B-42DE-E3A8-D9186A254FE7}"/>
+          </ac:spMkLst>
+        </pc:spChg>
+        <pc:spChg chg="add mod">
+          <ac:chgData name="Magnus tordrup" userId="16589563a1778640" providerId="LiveId" clId="{0E2379CD-0F0D-43BA-8FC6-D6464C8CD3F7}" dt="2024-01-15T10:36:15.348" v="1998" actId="14100"/>
+          <ac:spMkLst>
+            <pc:docMk/>
+            <pc:sldMk cId="1528085625" sldId="260"/>
+            <ac:spMk id="61" creationId="{2D5076F2-88C4-9CFD-8BB5-08472F4E2A8E}"/>
+          </ac:spMkLst>
+        </pc:spChg>
+        <pc:spChg chg="add mod">
+          <ac:chgData name="Magnus tordrup" userId="16589563a1778640" providerId="LiveId" clId="{0E2379CD-0F0D-43BA-8FC6-D6464C8CD3F7}" dt="2024-01-15T10:35:53.941" v="1994" actId="1076"/>
+          <ac:spMkLst>
+            <pc:docMk/>
+            <pc:sldMk cId="1528085625" sldId="260"/>
+            <ac:spMk id="62" creationId="{0430AB19-BDC4-70B3-4EEA-3423BF1626C6}"/>
+          </ac:spMkLst>
+        </pc:spChg>
+        <pc:spChg chg="add mod">
+          <ac:chgData name="Magnus tordrup" userId="16589563a1778640" providerId="LiveId" clId="{0E2379CD-0F0D-43BA-8FC6-D6464C8CD3F7}" dt="2024-01-15T10:36:11.198" v="1997" actId="14100"/>
+          <ac:spMkLst>
+            <pc:docMk/>
+            <pc:sldMk cId="1528085625" sldId="260"/>
+            <ac:spMk id="63" creationId="{65D34E67-CD86-5098-221C-E032B9F12AE0}"/>
+          </ac:spMkLst>
+        </pc:spChg>
+        <pc:spChg chg="add mod">
+          <ac:chgData name="Magnus tordrup" userId="16589563a1778640" providerId="LiveId" clId="{0E2379CD-0F0D-43BA-8FC6-D6464C8CD3F7}" dt="2024-01-15T10:36:32.144" v="2011" actId="1076"/>
+          <ac:spMkLst>
+            <pc:docMk/>
+            <pc:sldMk cId="1528085625" sldId="260"/>
+            <ac:spMk id="64" creationId="{B1A584DC-3239-95C8-F728-1608E5A59108}"/>
+          </ac:spMkLst>
+        </pc:spChg>
+        <pc:spChg chg="add mod">
+          <ac:chgData name="Magnus tordrup" userId="16589563a1778640" providerId="LiveId" clId="{0E2379CD-0F0D-43BA-8FC6-D6464C8CD3F7}" dt="2024-01-15T10:36:44.075" v="2013" actId="1076"/>
+          <ac:spMkLst>
+            <pc:docMk/>
+            <pc:sldMk cId="1528085625" sldId="260"/>
+            <ac:spMk id="65" creationId="{F4DBD982-9B79-0A06-0982-559ABD98CD3C}"/>
+          </ac:spMkLst>
+        </pc:spChg>
+        <pc:spChg chg="add mod">
+          <ac:chgData name="Magnus tordrup" userId="16589563a1778640" providerId="LiveId" clId="{0E2379CD-0F0D-43BA-8FC6-D6464C8CD3F7}" dt="2024-01-15T10:37:00.966" v="2017" actId="14100"/>
+          <ac:spMkLst>
+            <pc:docMk/>
+            <pc:sldMk cId="1528085625" sldId="260"/>
+            <ac:spMk id="66" creationId="{1F799140-7F3C-7669-AF5A-24C7196E125F}"/>
+          </ac:spMkLst>
+        </pc:spChg>
+        <pc:spChg chg="add mod">
+          <ac:chgData name="Magnus tordrup" userId="16589563a1778640" providerId="LiveId" clId="{0E2379CD-0F0D-43BA-8FC6-D6464C8CD3F7}" dt="2024-01-15T10:37:28.877" v="2031" actId="313"/>
+          <ac:spMkLst>
+            <pc:docMk/>
+            <pc:sldMk cId="1528085625" sldId="260"/>
+            <ac:spMk id="67" creationId="{F6F71F78-7EA9-6926-6B08-2F6E1DB37341}"/>
+          </ac:spMkLst>
+        </pc:spChg>
+        <pc:spChg chg="add mod">
+          <ac:chgData name="Magnus tordrup" userId="16589563a1778640" providerId="LiveId" clId="{0E2379CD-0F0D-43BA-8FC6-D6464C8CD3F7}" dt="2024-01-15T10:37:46.261" v="2043" actId="1076"/>
+          <ac:spMkLst>
+            <pc:docMk/>
+            <pc:sldMk cId="1528085625" sldId="260"/>
+            <ac:spMk id="68" creationId="{F7467384-713D-EA79-8155-8422D626C341}"/>
+          </ac:spMkLst>
+        </pc:spChg>
+        <pc:spChg chg="add mod">
+          <ac:chgData name="Magnus tordrup" userId="16589563a1778640" providerId="LiveId" clId="{0E2379CD-0F0D-43BA-8FC6-D6464C8CD3F7}" dt="2024-01-15T10:37:57.084" v="2049" actId="1076"/>
+          <ac:spMkLst>
+            <pc:docMk/>
+            <pc:sldMk cId="1528085625" sldId="260"/>
+            <ac:spMk id="69" creationId="{1D09A6B0-2AB4-BDAD-758D-D2EC8A9DD426}"/>
+          </ac:spMkLst>
+        </pc:spChg>
       </pc:sldChg>
-      <pc:sldChg chg="addSp delSp modSp add mod modNotesTx">
-        <pc:chgData name="Magnus tordrup" userId="16589563a1778640" providerId="LiveId" clId="{0E2379CD-0F0D-43BA-8FC6-D6464C8CD3F7}" dt="2024-01-09T10:23:40.336" v="1558" actId="20577"/>
+      <pc:sldChg chg="addSp delSp modSp add mod setBg modNotesTx">
+        <pc:chgData name="Magnus tordrup" userId="16589563a1778640" providerId="LiveId" clId="{0E2379CD-0F0D-43BA-8FC6-D6464C8CD3F7}" dt="2024-01-15T10:48:40.267" v="2058" actId="1076"/>
         <pc:sldMkLst>
           <pc:docMk/>
           <pc:sldMk cId="3243224226" sldId="261"/>
         </pc:sldMkLst>
-        <pc:spChg chg="mod">
-          <ac:chgData name="Magnus tordrup" userId="16589563a1778640" providerId="LiveId" clId="{0E2379CD-0F0D-43BA-8FC6-D6464C8CD3F7}" dt="2024-01-08T09:26:55.027" v="485"/>
+        <pc:spChg chg="mod ord">
+          <ac:chgData name="Magnus tordrup" userId="16589563a1778640" providerId="LiveId" clId="{0E2379CD-0F0D-43BA-8FC6-D6464C8CD3F7}" dt="2024-01-15T10:48:33.513" v="2056" actId="26606"/>
           <ac:spMkLst>
             <pc:docMk/>
             <pc:sldMk cId="3243224226" sldId="261"/>
@@ -427,13 +923,21 @@
           </ac:spMkLst>
         </pc:spChg>
         <pc:spChg chg="add del mod">
-          <ac:chgData name="Magnus tordrup" userId="16589563a1778640" providerId="LiveId" clId="{0E2379CD-0F0D-43BA-8FC6-D6464C8CD3F7}" dt="2024-01-09T09:01:04.740" v="1032" actId="20577"/>
+          <ac:chgData name="Magnus tordrup" userId="16589563a1778640" providerId="LiveId" clId="{0E2379CD-0F0D-43BA-8FC6-D6464C8CD3F7}" dt="2024-01-15T10:48:33.513" v="2056" actId="26606"/>
           <ac:spMkLst>
             <pc:docMk/>
             <pc:sldMk cId="3243224226" sldId="261"/>
             <ac:spMk id="3" creationId="{57C9E555-E8BC-FDE0-00A1-5F4213973E26}"/>
           </ac:spMkLst>
         </pc:spChg>
+        <pc:spChg chg="add">
+          <ac:chgData name="Magnus tordrup" userId="16589563a1778640" providerId="LiveId" clId="{0E2379CD-0F0D-43BA-8FC6-D6464C8CD3F7}" dt="2024-01-15T10:47:37.465" v="2050" actId="22"/>
+          <ac:spMkLst>
+            <pc:docMk/>
+            <pc:sldMk cId="3243224226" sldId="261"/>
+            <ac:spMk id="7" creationId="{690655E3-F120-BAB3-3B06-9FECE6727BA1}"/>
+          </ac:spMkLst>
+        </pc:spChg>
         <pc:spChg chg="add del mod">
           <ac:chgData name="Magnus tordrup" userId="16589563a1778640" providerId="LiveId" clId="{0E2379CD-0F0D-43BA-8FC6-D6464C8CD3F7}" dt="2024-01-08T12:17:33.339" v="901"/>
           <ac:spMkLst>
@@ -752,6 +1256,22 @@
             <pc:docMk/>
             <pc:sldMk cId="3243224226" sldId="261"/>
             <ac:spMk id="46" creationId="{C71B3BBB-4083-45B6-898C-367BBB4E38BE}"/>
+          </ac:spMkLst>
+        </pc:spChg>
+        <pc:spChg chg="add">
+          <ac:chgData name="Magnus tordrup" userId="16589563a1778640" providerId="LiveId" clId="{0E2379CD-0F0D-43BA-8FC6-D6464C8CD3F7}" dt="2024-01-15T10:48:33.513" v="2056" actId="26606"/>
+          <ac:spMkLst>
+            <pc:docMk/>
+            <pc:sldMk cId="3243224226" sldId="261"/>
+            <ac:spMk id="1031" creationId="{987A0FBA-CC04-4256-A8EB-BB3C543E989C}"/>
+          </ac:spMkLst>
+        </pc:spChg>
+        <pc:spChg chg="add">
+          <ac:chgData name="Magnus tordrup" userId="16589563a1778640" providerId="LiveId" clId="{0E2379CD-0F0D-43BA-8FC6-D6464C8CD3F7}" dt="2024-01-15T10:48:33.513" v="2056" actId="26606"/>
+          <ac:spMkLst>
+            <pc:docMk/>
+            <pc:sldMk cId="3243224226" sldId="261"/>
+            <ac:spMk id="1033" creationId="{3362A0EA-3E81-4464-94B8-70BE5870EDC0}"/>
           </ac:spMkLst>
         </pc:spChg>
         <pc:graphicFrameChg chg="add del mod">
@@ -770,6 +1290,14 @@
             <ac:graphicFrameMk id="47" creationId="{1A8107F9-E605-0ABC-A1E2-0AD7B011C284}"/>
           </ac:graphicFrameMkLst>
         </pc:graphicFrameChg>
+        <pc:picChg chg="add mod ord">
+          <ac:chgData name="Magnus tordrup" userId="16589563a1778640" providerId="LiveId" clId="{0E2379CD-0F0D-43BA-8FC6-D6464C8CD3F7}" dt="2024-01-15T10:48:40.267" v="2058" actId="1076"/>
+          <ac:picMkLst>
+            <pc:docMk/>
+            <pc:sldMk cId="3243224226" sldId="261"/>
+            <ac:picMk id="1026" creationId="{0C2454DE-E369-33DE-2404-231B93A480BD}"/>
+          </ac:picMkLst>
+        </pc:picChg>
       </pc:sldChg>
       <pc:sldChg chg="addSp delSp modSp add mod">
         <pc:chgData name="Magnus tordrup" userId="16589563a1778640" providerId="LiveId" clId="{0E2379CD-0F0D-43BA-8FC6-D6464C8CD3F7}" dt="2024-01-09T08:43:46.043" v="960" actId="14100"/>
@@ -1087,7 +1615,7 @@
           <a:p>
             <a:fld id="{2062A5CD-D0BF-4C7D-BCF0-000FCF6EB8F7}" type="datetimeFigureOut">
               <a:rPr lang="da-DK" smtClean="0"/>
-              <a:t>08-01-2024</a:t>
+              <a:t>15-01-2024</a:t>
             </a:fld>
             <a:endParaRPr lang="da-DK"/>
           </a:p>
@@ -2024,7 +2552,7 @@
           <a:p>
             <a:fld id="{76969C88-B244-455D-A017-012B25B1ACDD}" type="datetimeFigureOut">
               <a:rPr lang="en-US" smtClean="0"/>
-              <a:t>1/8/2024</a:t>
+              <a:t>1/15/2024</a:t>
             </a:fld>
             <a:endParaRPr lang="en-US"/>
           </a:p>
@@ -2222,7 +2750,7 @@
           <a:p>
             <a:fld id="{76969C88-B244-455D-A017-012B25B1ACDD}" type="datetimeFigureOut">
               <a:rPr lang="en-US" smtClean="0"/>
-              <a:t>1/8/2024</a:t>
+              <a:t>1/15/2024</a:t>
             </a:fld>
             <a:endParaRPr lang="en-US"/>
           </a:p>
@@ -2430,7 +2958,7 @@
           <a:p>
             <a:fld id="{76969C88-B244-455D-A017-012B25B1ACDD}" type="datetimeFigureOut">
               <a:rPr lang="en-US" smtClean="0"/>
-              <a:t>1/8/2024</a:t>
+              <a:t>1/15/2024</a:t>
             </a:fld>
             <a:endParaRPr lang="en-US"/>
           </a:p>
@@ -2629,7 +3157,7 @@
           <a:p>
             <a:fld id="{76969C88-B244-455D-A017-012B25B1ACDD}" type="datetimeFigureOut">
               <a:rPr lang="en-US" smtClean="0"/>
-              <a:t>1/8/2024</a:t>
+              <a:t>1/15/2024</a:t>
             </a:fld>
             <a:endParaRPr lang="en-US"/>
           </a:p>
@@ -2904,7 +3432,7 @@
           <a:p>
             <a:fld id="{76969C88-B244-455D-A017-012B25B1ACDD}" type="datetimeFigureOut">
               <a:rPr lang="en-US" smtClean="0"/>
-              <a:t>1/8/2024</a:t>
+              <a:t>1/15/2024</a:t>
             </a:fld>
             <a:endParaRPr lang="en-US"/>
           </a:p>
@@ -3169,7 +3697,7 @@
           <a:p>
             <a:fld id="{76969C88-B244-455D-A017-012B25B1ACDD}" type="datetimeFigureOut">
               <a:rPr lang="en-US" smtClean="0"/>
-              <a:t>1/8/2024</a:t>
+              <a:t>1/15/2024</a:t>
             </a:fld>
             <a:endParaRPr lang="en-US"/>
           </a:p>
@@ -3581,7 +4109,7 @@
           <a:p>
             <a:fld id="{76969C88-B244-455D-A017-012B25B1ACDD}" type="datetimeFigureOut">
               <a:rPr lang="en-US" smtClean="0"/>
-              <a:t>1/8/2024</a:t>
+              <a:t>1/15/2024</a:t>
             </a:fld>
             <a:endParaRPr lang="en-US"/>
           </a:p>
@@ -3722,7 +4250,7 @@
           <a:p>
             <a:fld id="{76969C88-B244-455D-A017-012B25B1ACDD}" type="datetimeFigureOut">
               <a:rPr lang="en-US" smtClean="0"/>
-              <a:t>1/8/2024</a:t>
+              <a:t>1/15/2024</a:t>
             </a:fld>
             <a:endParaRPr lang="en-US"/>
           </a:p>
@@ -3835,7 +4363,7 @@
           <a:p>
             <a:fld id="{76969C88-B244-455D-A017-012B25B1ACDD}" type="datetimeFigureOut">
               <a:rPr lang="en-US" smtClean="0"/>
-              <a:t>1/8/2024</a:t>
+              <a:t>1/15/2024</a:t>
             </a:fld>
             <a:endParaRPr lang="en-US"/>
           </a:p>
@@ -4147,7 +4675,7 @@
           <a:p>
             <a:fld id="{76969C88-B244-455D-A017-012B25B1ACDD}" type="datetimeFigureOut">
               <a:rPr lang="en-US" smtClean="0"/>
-              <a:t>1/8/2024</a:t>
+              <a:t>1/15/2024</a:t>
             </a:fld>
             <a:endParaRPr lang="en-US"/>
           </a:p>
@@ -4438,7 +4966,7 @@
           <a:p>
             <a:fld id="{76969C88-B244-455D-A017-012B25B1ACDD}" type="datetimeFigureOut">
               <a:rPr lang="en-US" smtClean="0"/>
-              <a:t>1/8/2024</a:t>
+              <a:t>1/15/2024</a:t>
             </a:fld>
             <a:endParaRPr lang="en-US"/>
           </a:p>
@@ -5194,7 +5722,7 @@
             <a:fld id="{76969C88-B244-455D-A017-012B25B1ACDD}" type="datetimeFigureOut">
               <a:rPr lang="en-US" smtClean="0"/>
               <a:pPr/>
-              <a:t>1/8/2024</a:t>
+              <a:t>1/15/2024</a:t>
             </a:fld>
             <a:endParaRPr lang="en-US"/>
           </a:p>
@@ -6357,7 +6885,12 @@
             <p:ph idx="1"/>
           </p:nvPr>
         </p:nvSpPr>
-        <p:spPr/>
+        <p:spPr>
+          <a:xfrm>
+            <a:off x="762000" y="2286000"/>
+            <a:ext cx="10668000" cy="1910615"/>
+          </a:xfrm>
+        </p:spPr>
         <p:txBody>
           <a:bodyPr/>
           <a:lstStyle/>
@@ -6386,12 +6919,6 @@
               <a:rPr lang="da-DK" dirty="0"/>
               <a:t>Eksempel på kommunikation</a:t>
             </a:r>
-          </a:p>
-          <a:p>
-            <a:endParaRPr lang="da-DK" dirty="0"/>
-          </a:p>
-          <a:p>
-            <a:endParaRPr lang="da-DK" dirty="0"/>
           </a:p>
         </p:txBody>
       </p:sp>
@@ -6492,8 +7019,8 @@
         </p:nvSpPr>
         <p:spPr>
           <a:xfrm rot="5400000">
-            <a:off x="1645331" y="4819878"/>
-            <a:ext cx="405492" cy="1968046"/>
+            <a:off x="851664" y="4407784"/>
+            <a:ext cx="405492" cy="1685307"/>
           </a:xfrm>
           <a:prstGeom prst="rightBrace">
             <a:avLst/>
@@ -6536,8 +7063,8 @@
         </p:nvSpPr>
         <p:spPr>
           <a:xfrm>
-            <a:off x="2463800" y="5435600"/>
-            <a:ext cx="1644040" cy="369332"/>
+            <a:off x="97972" y="4759672"/>
+            <a:ext cx="12197570" cy="315471"/>
           </a:xfrm>
           <a:prstGeom prst="rect">
             <a:avLst/>
@@ -6551,12 +7078,1310 @@
           <a:lstStyle/>
           <a:p>
             <a:r>
-              <a:rPr lang="da-DK" dirty="0" err="1"/>
-              <a:t>Insæt</a:t>
-            </a:r>
-            <a:r>
-              <a:rPr lang="da-DK" dirty="0"/>
-              <a:t> besked</a:t>
+              <a:rPr lang="da-DK" sz="1450" dirty="0"/>
+              <a:t>08600160457946040201000701000100e80201000201d302010003e66e0201000424460201000500000101000600010101000700000157ac</a:t>
+            </a:r>
+          </a:p>
+        </p:txBody>
+      </p:sp>
+      <p:sp>
+        <p:nvSpPr>
+          <p:cNvPr id="6" name="Right Brace 5">
+            <a:extLst>
+              <a:ext uri="{FF2B5EF4-FFF2-40B4-BE49-F238E27FC236}">
+                <a16:creationId xmlns:a16="http://schemas.microsoft.com/office/drawing/2014/main" id="{B93020A5-A82A-9B2B-6885-EF1EC11F6F2B}"/>
+              </a:ext>
+            </a:extLst>
+          </p:cNvPr>
+          <p:cNvSpPr/>
+          <p:nvPr/>
+        </p:nvSpPr>
+        <p:spPr>
+          <a:xfrm rot="5400000">
+            <a:off x="1801239" y="5144634"/>
+            <a:ext cx="405492" cy="211606"/>
+          </a:xfrm>
+          <a:prstGeom prst="rightBrace">
+            <a:avLst/>
+          </a:prstGeom>
+        </p:spPr>
+        <p:style>
+          <a:lnRef idx="3">
+            <a:schemeClr val="accent1"/>
+          </a:lnRef>
+          <a:fillRef idx="0">
+            <a:schemeClr val="accent1"/>
+          </a:fillRef>
+          <a:effectRef idx="2">
+            <a:schemeClr val="accent1"/>
+          </a:effectRef>
+          <a:fontRef idx="minor">
+            <a:schemeClr val="tx1"/>
+          </a:fontRef>
+        </p:style>
+        <p:txBody>
+          <a:bodyPr rtlCol="0" anchor="ctr"/>
+          <a:lstStyle/>
+          <a:p>
+            <a:pPr algn="ctr"/>
+            <a:endParaRPr lang="da-DK"/>
+          </a:p>
+        </p:txBody>
+      </p:sp>
+      <p:sp>
+        <p:nvSpPr>
+          <p:cNvPr id="9" name="Right Brace 8">
+            <a:extLst>
+              <a:ext uri="{FF2B5EF4-FFF2-40B4-BE49-F238E27FC236}">
+                <a16:creationId xmlns:a16="http://schemas.microsoft.com/office/drawing/2014/main" id="{67AA703B-B273-7DC1-0C71-92DAFBCD4A51}"/>
+              </a:ext>
+            </a:extLst>
+          </p:cNvPr>
+          <p:cNvSpPr/>
+          <p:nvPr/>
+        </p:nvSpPr>
+        <p:spPr>
+          <a:xfrm rot="5400000">
+            <a:off x="2005467" y="5151092"/>
+            <a:ext cx="405492" cy="196850"/>
+          </a:xfrm>
+          <a:prstGeom prst="rightBrace">
+            <a:avLst/>
+          </a:prstGeom>
+        </p:spPr>
+        <p:style>
+          <a:lnRef idx="3">
+            <a:schemeClr val="accent1"/>
+          </a:lnRef>
+          <a:fillRef idx="0">
+            <a:schemeClr val="accent1"/>
+          </a:fillRef>
+          <a:effectRef idx="2">
+            <a:schemeClr val="accent1"/>
+          </a:effectRef>
+          <a:fontRef idx="minor">
+            <a:schemeClr val="tx1"/>
+          </a:fontRef>
+        </p:style>
+        <p:txBody>
+          <a:bodyPr rtlCol="0" anchor="ctr"/>
+          <a:lstStyle/>
+          <a:p>
+            <a:pPr algn="ctr"/>
+            <a:endParaRPr lang="da-DK"/>
+          </a:p>
+        </p:txBody>
+      </p:sp>
+      <p:sp>
+        <p:nvSpPr>
+          <p:cNvPr id="10" name="TextBox 9">
+            <a:extLst>
+              <a:ext uri="{FF2B5EF4-FFF2-40B4-BE49-F238E27FC236}">
+                <a16:creationId xmlns:a16="http://schemas.microsoft.com/office/drawing/2014/main" id="{CB95B36D-82CB-74EC-1D49-02FA5DFA9AD6}"/>
+              </a:ext>
+            </a:extLst>
+          </p:cNvPr>
+          <p:cNvSpPr txBox="1"/>
+          <p:nvPr/>
+        </p:nvSpPr>
+        <p:spPr>
+          <a:xfrm rot="2492650">
+            <a:off x="718749" y="5793491"/>
+            <a:ext cx="1435008" cy="338554"/>
+          </a:xfrm>
+          <a:prstGeom prst="rect">
+            <a:avLst/>
+          </a:prstGeom>
+          <a:noFill/>
+        </p:spPr>
+        <p:txBody>
+          <a:bodyPr wrap="none" rtlCol="0">
+            <a:spAutoFit/>
+          </a:bodyPr>
+          <a:lstStyle/>
+          <a:p>
+            <a:r>
+              <a:rPr lang="da-DK" sz="1600" dirty="0">
+                <a:solidFill>
+                  <a:srgbClr val="47B547"/>
+                </a:solidFill>
+              </a:rPr>
+              <a:t>IMEI nummer</a:t>
+            </a:r>
+          </a:p>
+        </p:txBody>
+      </p:sp>
+      <p:sp>
+        <p:nvSpPr>
+          <p:cNvPr id="13" name="Right Brace 12">
+            <a:extLst>
+              <a:ext uri="{FF2B5EF4-FFF2-40B4-BE49-F238E27FC236}">
+                <a16:creationId xmlns:a16="http://schemas.microsoft.com/office/drawing/2014/main" id="{968E8900-A696-7D7C-BA22-018FDF62DCD6}"/>
+              </a:ext>
+            </a:extLst>
+          </p:cNvPr>
+          <p:cNvSpPr/>
+          <p:nvPr/>
+        </p:nvSpPr>
+        <p:spPr>
+          <a:xfrm rot="5400000">
+            <a:off x="2318205" y="5037154"/>
+            <a:ext cx="405492" cy="428625"/>
+          </a:xfrm>
+          <a:prstGeom prst="rightBrace">
+            <a:avLst/>
+          </a:prstGeom>
+        </p:spPr>
+        <p:style>
+          <a:lnRef idx="3">
+            <a:schemeClr val="accent1"/>
+          </a:lnRef>
+          <a:fillRef idx="0">
+            <a:schemeClr val="accent1"/>
+          </a:fillRef>
+          <a:effectRef idx="2">
+            <a:schemeClr val="accent1"/>
+          </a:effectRef>
+          <a:fontRef idx="minor">
+            <a:schemeClr val="tx1"/>
+          </a:fontRef>
+        </p:style>
+        <p:txBody>
+          <a:bodyPr rtlCol="0" anchor="ctr"/>
+          <a:lstStyle/>
+          <a:p>
+            <a:pPr algn="ctr"/>
+            <a:endParaRPr lang="da-DK"/>
+          </a:p>
+        </p:txBody>
+      </p:sp>
+      <p:sp>
+        <p:nvSpPr>
+          <p:cNvPr id="20" name="Right Brace 19">
+            <a:extLst>
+              <a:ext uri="{FF2B5EF4-FFF2-40B4-BE49-F238E27FC236}">
+                <a16:creationId xmlns:a16="http://schemas.microsoft.com/office/drawing/2014/main" id="{A651F4D6-BD34-AF1D-ACE9-FF2F36F395BD}"/>
+              </a:ext>
+            </a:extLst>
+          </p:cNvPr>
+          <p:cNvSpPr/>
+          <p:nvPr/>
+        </p:nvSpPr>
+        <p:spPr>
+          <a:xfrm rot="5400000">
+            <a:off x="3381829" y="5030082"/>
+            <a:ext cx="405492" cy="434975"/>
+          </a:xfrm>
+          <a:prstGeom prst="rightBrace">
+            <a:avLst/>
+          </a:prstGeom>
+        </p:spPr>
+        <p:style>
+          <a:lnRef idx="3">
+            <a:schemeClr val="accent1"/>
+          </a:lnRef>
+          <a:fillRef idx="0">
+            <a:schemeClr val="accent1"/>
+          </a:fillRef>
+          <a:effectRef idx="2">
+            <a:schemeClr val="accent1"/>
+          </a:effectRef>
+          <a:fontRef idx="minor">
+            <a:schemeClr val="tx1"/>
+          </a:fontRef>
+        </p:style>
+        <p:txBody>
+          <a:bodyPr rtlCol="0" anchor="ctr"/>
+          <a:lstStyle/>
+          <a:p>
+            <a:pPr algn="ctr"/>
+            <a:endParaRPr lang="da-DK" dirty="0"/>
+          </a:p>
+        </p:txBody>
+      </p:sp>
+      <p:sp>
+        <p:nvSpPr>
+          <p:cNvPr id="21" name="Right Brace 20">
+            <a:extLst>
+              <a:ext uri="{FF2B5EF4-FFF2-40B4-BE49-F238E27FC236}">
+                <a16:creationId xmlns:a16="http://schemas.microsoft.com/office/drawing/2014/main" id="{878D7719-B401-7FF7-04C4-89EF635D6797}"/>
+              </a:ext>
+            </a:extLst>
+          </p:cNvPr>
+          <p:cNvSpPr/>
+          <p:nvPr/>
+        </p:nvSpPr>
+        <p:spPr>
+          <a:xfrm rot="5400000">
+            <a:off x="3706133" y="5140545"/>
+            <a:ext cx="405492" cy="214047"/>
+          </a:xfrm>
+          <a:prstGeom prst="rightBrace">
+            <a:avLst/>
+          </a:prstGeom>
+        </p:spPr>
+        <p:style>
+          <a:lnRef idx="3">
+            <a:schemeClr val="accent1"/>
+          </a:lnRef>
+          <a:fillRef idx="0">
+            <a:schemeClr val="accent1"/>
+          </a:fillRef>
+          <a:effectRef idx="2">
+            <a:schemeClr val="accent1"/>
+          </a:effectRef>
+          <a:fontRef idx="minor">
+            <a:schemeClr val="tx1"/>
+          </a:fontRef>
+        </p:style>
+        <p:txBody>
+          <a:bodyPr rtlCol="0" anchor="ctr"/>
+          <a:lstStyle/>
+          <a:p>
+            <a:pPr algn="ctr"/>
+            <a:endParaRPr lang="da-DK" dirty="0"/>
+          </a:p>
+        </p:txBody>
+      </p:sp>
+      <p:sp>
+        <p:nvSpPr>
+          <p:cNvPr id="15" name="Right Brace 14">
+            <a:extLst>
+              <a:ext uri="{FF2B5EF4-FFF2-40B4-BE49-F238E27FC236}">
+                <a16:creationId xmlns:a16="http://schemas.microsoft.com/office/drawing/2014/main" id="{E1A82B61-FE1C-790D-6D2D-9FB595CCB632}"/>
+              </a:ext>
+            </a:extLst>
+          </p:cNvPr>
+          <p:cNvSpPr/>
+          <p:nvPr/>
+        </p:nvSpPr>
+        <p:spPr>
+          <a:xfrm rot="5400000">
+            <a:off x="2638218" y="5142494"/>
+            <a:ext cx="405492" cy="214047"/>
+          </a:xfrm>
+          <a:prstGeom prst="rightBrace">
+            <a:avLst/>
+          </a:prstGeom>
+          <a:ln>
+            <a:solidFill>
+              <a:srgbClr val="47B547"/>
+            </a:solidFill>
+          </a:ln>
+        </p:spPr>
+        <p:style>
+          <a:lnRef idx="3">
+            <a:schemeClr val="accent1"/>
+          </a:lnRef>
+          <a:fillRef idx="0">
+            <a:schemeClr val="accent1"/>
+          </a:fillRef>
+          <a:effectRef idx="2">
+            <a:schemeClr val="accent1"/>
+          </a:effectRef>
+          <a:fontRef idx="minor">
+            <a:schemeClr val="tx1"/>
+          </a:fontRef>
+        </p:style>
+        <p:txBody>
+          <a:bodyPr rtlCol="0" anchor="ctr"/>
+          <a:lstStyle/>
+          <a:p>
+            <a:pPr algn="ctr"/>
+            <a:endParaRPr lang="da-DK" dirty="0">
+              <a:solidFill>
+                <a:srgbClr val="B13B45"/>
+              </a:solidFill>
+            </a:endParaRPr>
+          </a:p>
+        </p:txBody>
+      </p:sp>
+      <p:sp>
+        <p:nvSpPr>
+          <p:cNvPr id="22" name="Right Brace 21">
+            <a:extLst>
+              <a:ext uri="{FF2B5EF4-FFF2-40B4-BE49-F238E27FC236}">
+                <a16:creationId xmlns:a16="http://schemas.microsoft.com/office/drawing/2014/main" id="{117AEC93-7C12-5EAA-5A87-5D679851F0AB}"/>
+              </a:ext>
+            </a:extLst>
+          </p:cNvPr>
+          <p:cNvSpPr/>
+          <p:nvPr/>
+        </p:nvSpPr>
+        <p:spPr>
+          <a:xfrm rot="5400000">
+            <a:off x="4463011" y="4601552"/>
+            <a:ext cx="405492" cy="1292032"/>
+          </a:xfrm>
+          <a:prstGeom prst="rightBrace">
+            <a:avLst/>
+          </a:prstGeom>
+          <a:ln>
+            <a:solidFill>
+              <a:srgbClr val="47B547"/>
+            </a:solidFill>
+          </a:ln>
+        </p:spPr>
+        <p:style>
+          <a:lnRef idx="3">
+            <a:schemeClr val="accent1"/>
+          </a:lnRef>
+          <a:fillRef idx="0">
+            <a:schemeClr val="accent1"/>
+          </a:fillRef>
+          <a:effectRef idx="2">
+            <a:schemeClr val="accent1"/>
+          </a:effectRef>
+          <a:fontRef idx="minor">
+            <a:schemeClr val="tx1"/>
+          </a:fontRef>
+        </p:style>
+        <p:txBody>
+          <a:bodyPr rtlCol="0" anchor="ctr"/>
+          <a:lstStyle/>
+          <a:p>
+            <a:pPr algn="ctr"/>
+            <a:endParaRPr lang="da-DK" dirty="0"/>
+          </a:p>
+        </p:txBody>
+      </p:sp>
+      <p:sp>
+        <p:nvSpPr>
+          <p:cNvPr id="18" name="Right Brace 17">
+            <a:extLst>
+              <a:ext uri="{FF2B5EF4-FFF2-40B4-BE49-F238E27FC236}">
+                <a16:creationId xmlns:a16="http://schemas.microsoft.com/office/drawing/2014/main" id="{E309C612-66C6-D4F1-BF23-4B96778272BE}"/>
+              </a:ext>
+            </a:extLst>
+          </p:cNvPr>
+          <p:cNvSpPr/>
+          <p:nvPr/>
+        </p:nvSpPr>
+        <p:spPr>
+          <a:xfrm rot="5400000">
+            <a:off x="2956335" y="5039562"/>
+            <a:ext cx="405492" cy="416013"/>
+          </a:xfrm>
+          <a:prstGeom prst="rightBrace">
+            <a:avLst/>
+          </a:prstGeom>
+          <a:ln>
+            <a:solidFill>
+              <a:srgbClr val="47B547"/>
+            </a:solidFill>
+          </a:ln>
+        </p:spPr>
+        <p:style>
+          <a:lnRef idx="3">
+            <a:schemeClr val="accent1"/>
+          </a:lnRef>
+          <a:fillRef idx="0">
+            <a:schemeClr val="accent1"/>
+          </a:fillRef>
+          <a:effectRef idx="2">
+            <a:schemeClr val="accent1"/>
+          </a:effectRef>
+          <a:fontRef idx="minor">
+            <a:schemeClr val="tx1"/>
+          </a:fontRef>
+        </p:style>
+        <p:txBody>
+          <a:bodyPr rtlCol="0" anchor="ctr"/>
+          <a:lstStyle/>
+          <a:p>
+            <a:pPr algn="ctr"/>
+            <a:endParaRPr lang="da-DK" dirty="0">
+              <a:solidFill>
+                <a:srgbClr val="B13B45"/>
+              </a:solidFill>
+            </a:endParaRPr>
+          </a:p>
+        </p:txBody>
+      </p:sp>
+      <p:sp>
+        <p:nvSpPr>
+          <p:cNvPr id="50" name="Right Brace 49">
+            <a:extLst>
+              <a:ext uri="{FF2B5EF4-FFF2-40B4-BE49-F238E27FC236}">
+                <a16:creationId xmlns:a16="http://schemas.microsoft.com/office/drawing/2014/main" id="{AE459E57-0FEF-ACE5-5ED8-23D15F6EFB89}"/>
+              </a:ext>
+            </a:extLst>
+          </p:cNvPr>
+          <p:cNvSpPr/>
+          <p:nvPr/>
+        </p:nvSpPr>
+        <p:spPr>
+          <a:xfrm rot="5400000">
+            <a:off x="11684094" y="5040378"/>
+            <a:ext cx="405492" cy="414376"/>
+          </a:xfrm>
+          <a:prstGeom prst="rightBrace">
+            <a:avLst/>
+          </a:prstGeom>
+        </p:spPr>
+        <p:style>
+          <a:lnRef idx="3">
+            <a:schemeClr val="accent1"/>
+          </a:lnRef>
+          <a:fillRef idx="0">
+            <a:schemeClr val="accent1"/>
+          </a:fillRef>
+          <a:effectRef idx="2">
+            <a:schemeClr val="accent1"/>
+          </a:effectRef>
+          <a:fontRef idx="minor">
+            <a:schemeClr val="tx1"/>
+          </a:fontRef>
+        </p:style>
+        <p:txBody>
+          <a:bodyPr rtlCol="0" anchor="ctr"/>
+          <a:lstStyle/>
+          <a:p>
+            <a:pPr algn="ctr"/>
+            <a:endParaRPr lang="da-DK" dirty="0"/>
+          </a:p>
+        </p:txBody>
+      </p:sp>
+      <p:sp>
+        <p:nvSpPr>
+          <p:cNvPr id="51" name="TextBox 50">
+            <a:extLst>
+              <a:ext uri="{FF2B5EF4-FFF2-40B4-BE49-F238E27FC236}">
+                <a16:creationId xmlns:a16="http://schemas.microsoft.com/office/drawing/2014/main" id="{CBD42F0E-7AB1-5AF3-1513-037392E1EFAA}"/>
+              </a:ext>
+            </a:extLst>
+          </p:cNvPr>
+          <p:cNvSpPr txBox="1"/>
+          <p:nvPr/>
+        </p:nvSpPr>
+        <p:spPr>
+          <a:xfrm rot="2492650">
+            <a:off x="1664751" y="5905478"/>
+            <a:ext cx="1598386" cy="338554"/>
+          </a:xfrm>
+          <a:prstGeom prst="rect">
+            <a:avLst/>
+          </a:prstGeom>
+          <a:noFill/>
+        </p:spPr>
+        <p:txBody>
+          <a:bodyPr wrap="none" rtlCol="0">
+            <a:spAutoFit/>
+          </a:bodyPr>
+          <a:lstStyle/>
+          <a:p>
+            <a:r>
+              <a:rPr lang="da-DK" sz="1600" dirty="0">
+                <a:solidFill>
+                  <a:srgbClr val="47B547"/>
+                </a:solidFill>
+              </a:rPr>
+              <a:t>Transaktions ID</a:t>
+            </a:r>
+          </a:p>
+        </p:txBody>
+      </p:sp>
+      <p:sp>
+        <p:nvSpPr>
+          <p:cNvPr id="52" name="TextBox 51">
+            <a:extLst>
+              <a:ext uri="{FF2B5EF4-FFF2-40B4-BE49-F238E27FC236}">
+                <a16:creationId xmlns:a16="http://schemas.microsoft.com/office/drawing/2014/main" id="{90B5D2EA-3447-AA5D-E0F9-EAA9490DC533}"/>
+              </a:ext>
+            </a:extLst>
+          </p:cNvPr>
+          <p:cNvSpPr txBox="1"/>
+          <p:nvPr/>
+        </p:nvSpPr>
+        <p:spPr>
+          <a:xfrm rot="2492650">
+            <a:off x="2194771" y="5756139"/>
+            <a:ext cx="1479379" cy="338554"/>
+          </a:xfrm>
+          <a:prstGeom prst="rect">
+            <a:avLst/>
+          </a:prstGeom>
+          <a:noFill/>
+        </p:spPr>
+        <p:txBody>
+          <a:bodyPr wrap="none" rtlCol="0">
+            <a:spAutoFit/>
+          </a:bodyPr>
+          <a:lstStyle/>
+          <a:p>
+            <a:r>
+              <a:rPr lang="da-DK" sz="1600" dirty="0">
+                <a:solidFill>
+                  <a:srgbClr val="47B547"/>
+                </a:solidFill>
+              </a:rPr>
+              <a:t>Antal </a:t>
+            </a:r>
+            <a:r>
+              <a:rPr lang="da-DK" sz="1600" dirty="0" err="1">
+                <a:solidFill>
+                  <a:srgbClr val="47B547"/>
+                </a:solidFill>
+              </a:rPr>
+              <a:t>Sensore</a:t>
+            </a:r>
+            <a:endParaRPr lang="da-DK" sz="1600" dirty="0">
+              <a:solidFill>
+                <a:srgbClr val="47B547"/>
+              </a:solidFill>
+            </a:endParaRPr>
+          </a:p>
+        </p:txBody>
+      </p:sp>
+      <p:sp>
+        <p:nvSpPr>
+          <p:cNvPr id="53" name="TextBox 52">
+            <a:extLst>
+              <a:ext uri="{FF2B5EF4-FFF2-40B4-BE49-F238E27FC236}">
+                <a16:creationId xmlns:a16="http://schemas.microsoft.com/office/drawing/2014/main" id="{46652DD9-26A1-4143-5089-7828B6827CAD}"/>
+              </a:ext>
+            </a:extLst>
+          </p:cNvPr>
+          <p:cNvSpPr txBox="1"/>
+          <p:nvPr/>
+        </p:nvSpPr>
+        <p:spPr>
+          <a:xfrm rot="2492650">
+            <a:off x="1861049" y="5883138"/>
+            <a:ext cx="1745093" cy="338554"/>
+          </a:xfrm>
+          <a:prstGeom prst="rect">
+            <a:avLst/>
+          </a:prstGeom>
+          <a:noFill/>
+        </p:spPr>
+        <p:txBody>
+          <a:bodyPr wrap="none" rtlCol="0">
+            <a:spAutoFit/>
+          </a:bodyPr>
+          <a:lstStyle/>
+          <a:p>
+            <a:r>
+              <a:rPr lang="da-DK" sz="1600" dirty="0">
+                <a:solidFill>
+                  <a:srgbClr val="47B547"/>
+                </a:solidFill>
+              </a:rPr>
+              <a:t>Data kommando</a:t>
+            </a:r>
+          </a:p>
+        </p:txBody>
+      </p:sp>
+      <p:sp>
+        <p:nvSpPr>
+          <p:cNvPr id="54" name="TextBox 53">
+            <a:extLst>
+              <a:ext uri="{FF2B5EF4-FFF2-40B4-BE49-F238E27FC236}">
+                <a16:creationId xmlns:a16="http://schemas.microsoft.com/office/drawing/2014/main" id="{7F536E03-8667-69B0-019A-90BB44BD8D42}"/>
+              </a:ext>
+            </a:extLst>
+          </p:cNvPr>
+          <p:cNvSpPr txBox="1"/>
+          <p:nvPr/>
+        </p:nvSpPr>
+        <p:spPr>
+          <a:xfrm rot="2492650">
+            <a:off x="2596527" y="5591551"/>
+            <a:ext cx="936475" cy="338554"/>
+          </a:xfrm>
+          <a:prstGeom prst="rect">
+            <a:avLst/>
+          </a:prstGeom>
+          <a:noFill/>
+        </p:spPr>
+        <p:txBody>
+          <a:bodyPr wrap="none" rtlCol="0">
+            <a:spAutoFit/>
+          </a:bodyPr>
+          <a:lstStyle/>
+          <a:p>
+            <a:r>
+              <a:rPr lang="da-DK" sz="1600" dirty="0">
+                <a:solidFill>
+                  <a:srgbClr val="47B547"/>
+                </a:solidFill>
+              </a:rPr>
+              <a:t>Slave</a:t>
+            </a:r>
+            <a:r>
+              <a:rPr lang="da-DK" sz="1600" dirty="0">
+                <a:solidFill>
+                  <a:srgbClr val="B13B45"/>
+                </a:solidFill>
+              </a:rPr>
+              <a:t> </a:t>
+            </a:r>
+            <a:r>
+              <a:rPr lang="da-DK" sz="1600" dirty="0">
+                <a:solidFill>
+                  <a:srgbClr val="47B547"/>
+                </a:solidFill>
+              </a:rPr>
+              <a:t>ID</a:t>
+            </a:r>
+          </a:p>
+        </p:txBody>
+      </p:sp>
+      <p:sp>
+        <p:nvSpPr>
+          <p:cNvPr id="55" name="TextBox 54">
+            <a:extLst>
+              <a:ext uri="{FF2B5EF4-FFF2-40B4-BE49-F238E27FC236}">
+                <a16:creationId xmlns:a16="http://schemas.microsoft.com/office/drawing/2014/main" id="{94C7B7C3-CA6F-BD6B-BC02-23520EDCC617}"/>
+              </a:ext>
+            </a:extLst>
+          </p:cNvPr>
+          <p:cNvSpPr txBox="1"/>
+          <p:nvPr/>
+        </p:nvSpPr>
+        <p:spPr>
+          <a:xfrm rot="2492650">
+            <a:off x="2851635" y="5636008"/>
+            <a:ext cx="1117101" cy="338554"/>
+          </a:xfrm>
+          <a:prstGeom prst="rect">
+            <a:avLst/>
+          </a:prstGeom>
+          <a:noFill/>
+        </p:spPr>
+        <p:txBody>
+          <a:bodyPr wrap="none" rtlCol="0">
+            <a:spAutoFit/>
+          </a:bodyPr>
+          <a:lstStyle/>
+          <a:p>
+            <a:r>
+              <a:rPr lang="da-DK" sz="1600" dirty="0">
+                <a:solidFill>
+                  <a:srgbClr val="47B547"/>
+                </a:solidFill>
+              </a:rPr>
+              <a:t>Adresse</a:t>
+            </a:r>
+            <a:r>
+              <a:rPr lang="da-DK" sz="1600" dirty="0">
+                <a:solidFill>
+                  <a:srgbClr val="B13B45"/>
+                </a:solidFill>
+              </a:rPr>
+              <a:t> </a:t>
+            </a:r>
+            <a:r>
+              <a:rPr lang="da-DK" sz="1600" dirty="0">
+                <a:solidFill>
+                  <a:srgbClr val="47B547"/>
+                </a:solidFill>
+              </a:rPr>
+              <a:t>1</a:t>
+            </a:r>
+          </a:p>
+        </p:txBody>
+      </p:sp>
+      <p:sp>
+        <p:nvSpPr>
+          <p:cNvPr id="56" name="TextBox 55">
+            <a:extLst>
+              <a:ext uri="{FF2B5EF4-FFF2-40B4-BE49-F238E27FC236}">
+                <a16:creationId xmlns:a16="http://schemas.microsoft.com/office/drawing/2014/main" id="{6A26D98F-F63E-6149-AFBB-093F32C461C0}"/>
+              </a:ext>
+            </a:extLst>
+          </p:cNvPr>
+          <p:cNvSpPr txBox="1"/>
+          <p:nvPr/>
+        </p:nvSpPr>
+        <p:spPr>
+          <a:xfrm rot="2492650">
+            <a:off x="3311537" y="5703427"/>
+            <a:ext cx="1174424" cy="338554"/>
+          </a:xfrm>
+          <a:prstGeom prst="rect">
+            <a:avLst/>
+          </a:prstGeom>
+          <a:noFill/>
+        </p:spPr>
+        <p:txBody>
+          <a:bodyPr wrap="none" rtlCol="0">
+            <a:spAutoFit/>
+          </a:bodyPr>
+          <a:lstStyle/>
+          <a:p>
+            <a:r>
+              <a:rPr lang="da-DK" sz="1600" dirty="0" err="1">
+                <a:solidFill>
+                  <a:srgbClr val="47B547"/>
+                </a:solidFill>
+              </a:rPr>
+              <a:t>Temp</a:t>
+            </a:r>
+            <a:r>
+              <a:rPr lang="da-DK" sz="1600" dirty="0">
+                <a:solidFill>
+                  <a:srgbClr val="47B547"/>
+                </a:solidFill>
+              </a:rPr>
+              <a:t> data</a:t>
+            </a:r>
+          </a:p>
+        </p:txBody>
+      </p:sp>
+      <p:sp>
+        <p:nvSpPr>
+          <p:cNvPr id="57" name="TextBox 56">
+            <a:extLst>
+              <a:ext uri="{FF2B5EF4-FFF2-40B4-BE49-F238E27FC236}">
+                <a16:creationId xmlns:a16="http://schemas.microsoft.com/office/drawing/2014/main" id="{339E6D49-C1D8-9375-ADB1-6E3D897ADD99}"/>
+              </a:ext>
+            </a:extLst>
+          </p:cNvPr>
+          <p:cNvSpPr txBox="1"/>
+          <p:nvPr/>
+        </p:nvSpPr>
+        <p:spPr>
+          <a:xfrm rot="2492650">
+            <a:off x="3637546" y="5664308"/>
+            <a:ext cx="1085169" cy="338554"/>
+          </a:xfrm>
+          <a:prstGeom prst="rect">
+            <a:avLst/>
+          </a:prstGeom>
+          <a:noFill/>
+        </p:spPr>
+        <p:txBody>
+          <a:bodyPr wrap="none" rtlCol="0">
+            <a:spAutoFit/>
+          </a:bodyPr>
+          <a:lstStyle/>
+          <a:p>
+            <a:r>
+              <a:rPr lang="da-DK" sz="1600" dirty="0">
+                <a:solidFill>
+                  <a:srgbClr val="47B547"/>
+                </a:solidFill>
+              </a:rPr>
+              <a:t>Data type</a:t>
+            </a:r>
+          </a:p>
+        </p:txBody>
+      </p:sp>
+      <p:sp>
+        <p:nvSpPr>
+          <p:cNvPr id="58" name="TextBox 57">
+            <a:extLst>
+              <a:ext uri="{FF2B5EF4-FFF2-40B4-BE49-F238E27FC236}">
+                <a16:creationId xmlns:a16="http://schemas.microsoft.com/office/drawing/2014/main" id="{60E008A9-D338-16BB-DB3B-17EC34524EFF}"/>
+              </a:ext>
+            </a:extLst>
+          </p:cNvPr>
+          <p:cNvSpPr txBox="1"/>
+          <p:nvPr/>
+        </p:nvSpPr>
+        <p:spPr>
+          <a:xfrm rot="2492650">
+            <a:off x="4327516" y="5813162"/>
+            <a:ext cx="1505348" cy="338554"/>
+          </a:xfrm>
+          <a:prstGeom prst="rect">
+            <a:avLst/>
+          </a:prstGeom>
+          <a:noFill/>
+        </p:spPr>
+        <p:txBody>
+          <a:bodyPr wrap="none" rtlCol="0">
+            <a:spAutoFit/>
+          </a:bodyPr>
+          <a:lstStyle/>
+          <a:p>
+            <a:r>
+              <a:rPr lang="da-DK" sz="1600" dirty="0">
+                <a:solidFill>
+                  <a:srgbClr val="47B547"/>
+                </a:solidFill>
+              </a:rPr>
+              <a:t>Luftfugtighed </a:t>
+            </a:r>
+          </a:p>
+        </p:txBody>
+      </p:sp>
+      <p:sp>
+        <p:nvSpPr>
+          <p:cNvPr id="59" name="Right Brace 58">
+            <a:extLst>
+              <a:ext uri="{FF2B5EF4-FFF2-40B4-BE49-F238E27FC236}">
+                <a16:creationId xmlns:a16="http://schemas.microsoft.com/office/drawing/2014/main" id="{9F1B9648-AC42-EFD0-5FF3-3C388A63F704}"/>
+              </a:ext>
+            </a:extLst>
+          </p:cNvPr>
+          <p:cNvSpPr/>
+          <p:nvPr/>
+        </p:nvSpPr>
+        <p:spPr>
+          <a:xfrm rot="5400000">
+            <a:off x="5740085" y="4616508"/>
+            <a:ext cx="405492" cy="1262113"/>
+          </a:xfrm>
+          <a:prstGeom prst="rightBrace">
+            <a:avLst/>
+          </a:prstGeom>
+          <a:ln>
+            <a:solidFill>
+              <a:srgbClr val="47B547"/>
+            </a:solidFill>
+          </a:ln>
+        </p:spPr>
+        <p:style>
+          <a:lnRef idx="3">
+            <a:schemeClr val="accent1"/>
+          </a:lnRef>
+          <a:fillRef idx="0">
+            <a:schemeClr val="accent1"/>
+          </a:fillRef>
+          <a:effectRef idx="2">
+            <a:schemeClr val="accent1"/>
+          </a:effectRef>
+          <a:fontRef idx="minor">
+            <a:schemeClr val="tx1"/>
+          </a:fontRef>
+        </p:style>
+        <p:txBody>
+          <a:bodyPr rtlCol="0" anchor="ctr"/>
+          <a:lstStyle/>
+          <a:p>
+            <a:pPr algn="ctr"/>
+            <a:endParaRPr lang="da-DK" dirty="0"/>
+          </a:p>
+        </p:txBody>
+      </p:sp>
+      <p:sp>
+        <p:nvSpPr>
+          <p:cNvPr id="60" name="TextBox 59">
+            <a:extLst>
+              <a:ext uri="{FF2B5EF4-FFF2-40B4-BE49-F238E27FC236}">
+                <a16:creationId xmlns:a16="http://schemas.microsoft.com/office/drawing/2014/main" id="{473F533A-5F2B-42DE-E3A8-D9186A254FE7}"/>
+              </a:ext>
+            </a:extLst>
+          </p:cNvPr>
+          <p:cNvSpPr txBox="1"/>
+          <p:nvPr/>
+        </p:nvSpPr>
+        <p:spPr>
+          <a:xfrm rot="2492650">
+            <a:off x="5661162" y="5636221"/>
+            <a:ext cx="1071191" cy="338554"/>
+          </a:xfrm>
+          <a:prstGeom prst="rect">
+            <a:avLst/>
+          </a:prstGeom>
+          <a:noFill/>
+        </p:spPr>
+        <p:txBody>
+          <a:bodyPr wrap="none" rtlCol="0">
+            <a:spAutoFit/>
+          </a:bodyPr>
+          <a:lstStyle/>
+          <a:p>
+            <a:r>
+              <a:rPr lang="da-DK" sz="1600" dirty="0">
+                <a:solidFill>
+                  <a:srgbClr val="47B547"/>
+                </a:solidFill>
+              </a:rPr>
+              <a:t>Lysstyrke </a:t>
+            </a:r>
+          </a:p>
+        </p:txBody>
+      </p:sp>
+      <p:sp>
+        <p:nvSpPr>
+          <p:cNvPr id="61" name="Right Brace 60">
+            <a:extLst>
+              <a:ext uri="{FF2B5EF4-FFF2-40B4-BE49-F238E27FC236}">
+                <a16:creationId xmlns:a16="http://schemas.microsoft.com/office/drawing/2014/main" id="{2D5076F2-88C4-9CFD-8BB5-08472F4E2A8E}"/>
+              </a:ext>
+            </a:extLst>
+          </p:cNvPr>
+          <p:cNvSpPr/>
+          <p:nvPr/>
+        </p:nvSpPr>
+        <p:spPr>
+          <a:xfrm rot="5400000">
+            <a:off x="7015513" y="4603195"/>
+            <a:ext cx="405492" cy="1288741"/>
+          </a:xfrm>
+          <a:prstGeom prst="rightBrace">
+            <a:avLst/>
+          </a:prstGeom>
+          <a:ln>
+            <a:solidFill>
+              <a:srgbClr val="47B547"/>
+            </a:solidFill>
+          </a:ln>
+        </p:spPr>
+        <p:style>
+          <a:lnRef idx="3">
+            <a:schemeClr val="accent1"/>
+          </a:lnRef>
+          <a:fillRef idx="0">
+            <a:schemeClr val="accent1"/>
+          </a:fillRef>
+          <a:effectRef idx="2">
+            <a:schemeClr val="accent1"/>
+          </a:effectRef>
+          <a:fontRef idx="minor">
+            <a:schemeClr val="tx1"/>
+          </a:fontRef>
+        </p:style>
+        <p:txBody>
+          <a:bodyPr rtlCol="0" anchor="ctr"/>
+          <a:lstStyle/>
+          <a:p>
+            <a:pPr algn="ctr"/>
+            <a:endParaRPr lang="da-DK" dirty="0"/>
+          </a:p>
+        </p:txBody>
+      </p:sp>
+      <p:sp>
+        <p:nvSpPr>
+          <p:cNvPr id="62" name="TextBox 61">
+            <a:extLst>
+              <a:ext uri="{FF2B5EF4-FFF2-40B4-BE49-F238E27FC236}">
+                <a16:creationId xmlns:a16="http://schemas.microsoft.com/office/drawing/2014/main" id="{0430AB19-BDC4-70B3-4EEA-3423BF1626C6}"/>
+              </a:ext>
+            </a:extLst>
+          </p:cNvPr>
+          <p:cNvSpPr txBox="1"/>
+          <p:nvPr/>
+        </p:nvSpPr>
+        <p:spPr>
+          <a:xfrm rot="2492650">
+            <a:off x="6897978" y="5703427"/>
+            <a:ext cx="1244059" cy="338554"/>
+          </a:xfrm>
+          <a:prstGeom prst="rect">
+            <a:avLst/>
+          </a:prstGeom>
+          <a:noFill/>
+        </p:spPr>
+        <p:txBody>
+          <a:bodyPr wrap="none" rtlCol="0">
+            <a:spAutoFit/>
+          </a:bodyPr>
+          <a:lstStyle/>
+          <a:p>
+            <a:r>
+              <a:rPr lang="da-DK" sz="1600" dirty="0">
+                <a:solidFill>
+                  <a:srgbClr val="47B547"/>
+                </a:solidFill>
+              </a:rPr>
+              <a:t>Luftkvalitet </a:t>
+            </a:r>
+          </a:p>
+        </p:txBody>
+      </p:sp>
+      <p:sp>
+        <p:nvSpPr>
+          <p:cNvPr id="63" name="Right Brace 62">
+            <a:extLst>
+              <a:ext uri="{FF2B5EF4-FFF2-40B4-BE49-F238E27FC236}">
+                <a16:creationId xmlns:a16="http://schemas.microsoft.com/office/drawing/2014/main" id="{65D34E67-CD86-5098-221C-E032B9F12AE0}"/>
+              </a:ext>
+            </a:extLst>
+          </p:cNvPr>
+          <p:cNvSpPr/>
+          <p:nvPr/>
+        </p:nvSpPr>
+        <p:spPr>
+          <a:xfrm rot="5400000">
+            <a:off x="8291044" y="4616406"/>
+            <a:ext cx="405492" cy="1262319"/>
+          </a:xfrm>
+          <a:prstGeom prst="rightBrace">
+            <a:avLst/>
+          </a:prstGeom>
+          <a:ln>
+            <a:solidFill>
+              <a:srgbClr val="47B547"/>
+            </a:solidFill>
+          </a:ln>
+        </p:spPr>
+        <p:style>
+          <a:lnRef idx="3">
+            <a:schemeClr val="accent1"/>
+          </a:lnRef>
+          <a:fillRef idx="0">
+            <a:schemeClr val="accent1"/>
+          </a:fillRef>
+          <a:effectRef idx="2">
+            <a:schemeClr val="accent1"/>
+          </a:effectRef>
+          <a:fontRef idx="minor">
+            <a:schemeClr val="tx1"/>
+          </a:fontRef>
+        </p:style>
+        <p:txBody>
+          <a:bodyPr rtlCol="0" anchor="ctr"/>
+          <a:lstStyle/>
+          <a:p>
+            <a:pPr algn="ctr"/>
+            <a:endParaRPr lang="da-DK" dirty="0"/>
+          </a:p>
+        </p:txBody>
+      </p:sp>
+      <p:sp>
+        <p:nvSpPr>
+          <p:cNvPr id="64" name="TextBox 63">
+            <a:extLst>
+              <a:ext uri="{FF2B5EF4-FFF2-40B4-BE49-F238E27FC236}">
+                <a16:creationId xmlns:a16="http://schemas.microsoft.com/office/drawing/2014/main" id="{B1A584DC-3239-95C8-F728-1608E5A59108}"/>
+              </a:ext>
+            </a:extLst>
+          </p:cNvPr>
+          <p:cNvSpPr txBox="1"/>
+          <p:nvPr/>
+        </p:nvSpPr>
+        <p:spPr>
+          <a:xfrm rot="2492650">
+            <a:off x="8227470" y="5655675"/>
+            <a:ext cx="1111202" cy="338554"/>
+          </a:xfrm>
+          <a:prstGeom prst="rect">
+            <a:avLst/>
+          </a:prstGeom>
+          <a:noFill/>
+        </p:spPr>
+        <p:txBody>
+          <a:bodyPr wrap="none" rtlCol="0">
+            <a:spAutoFit/>
+          </a:bodyPr>
+          <a:lstStyle/>
+          <a:p>
+            <a:r>
+              <a:rPr lang="da-DK" sz="1600" dirty="0">
+                <a:solidFill>
+                  <a:srgbClr val="47B547"/>
+                </a:solidFill>
+              </a:rPr>
+              <a:t>Digital IN </a:t>
+            </a:r>
+          </a:p>
+        </p:txBody>
+      </p:sp>
+      <p:sp>
+        <p:nvSpPr>
+          <p:cNvPr id="65" name="Right Brace 64">
+            <a:extLst>
+              <a:ext uri="{FF2B5EF4-FFF2-40B4-BE49-F238E27FC236}">
+                <a16:creationId xmlns:a16="http://schemas.microsoft.com/office/drawing/2014/main" id="{F4DBD982-9B79-0A06-0982-559ABD98CD3C}"/>
+              </a:ext>
+            </a:extLst>
+          </p:cNvPr>
+          <p:cNvSpPr/>
+          <p:nvPr/>
+        </p:nvSpPr>
+        <p:spPr>
+          <a:xfrm rot="5400000">
+            <a:off x="9553157" y="4616405"/>
+            <a:ext cx="405492" cy="1262319"/>
+          </a:xfrm>
+          <a:prstGeom prst="rightBrace">
+            <a:avLst/>
+          </a:prstGeom>
+          <a:ln>
+            <a:solidFill>
+              <a:srgbClr val="47B547"/>
+            </a:solidFill>
+          </a:ln>
+        </p:spPr>
+        <p:style>
+          <a:lnRef idx="3">
+            <a:schemeClr val="accent1"/>
+          </a:lnRef>
+          <a:fillRef idx="0">
+            <a:schemeClr val="accent1"/>
+          </a:fillRef>
+          <a:effectRef idx="2">
+            <a:schemeClr val="accent1"/>
+          </a:effectRef>
+          <a:fontRef idx="minor">
+            <a:schemeClr val="tx1"/>
+          </a:fontRef>
+        </p:style>
+        <p:txBody>
+          <a:bodyPr rtlCol="0" anchor="ctr"/>
+          <a:lstStyle/>
+          <a:p>
+            <a:pPr algn="ctr"/>
+            <a:endParaRPr lang="da-DK" dirty="0"/>
+          </a:p>
+        </p:txBody>
+      </p:sp>
+      <p:sp>
+        <p:nvSpPr>
+          <p:cNvPr id="66" name="Right Brace 65">
+            <a:extLst>
+              <a:ext uri="{FF2B5EF4-FFF2-40B4-BE49-F238E27FC236}">
+                <a16:creationId xmlns:a16="http://schemas.microsoft.com/office/drawing/2014/main" id="{1F799140-7F3C-7669-AF5A-24C7196E125F}"/>
+              </a:ext>
+            </a:extLst>
+          </p:cNvPr>
+          <p:cNvSpPr/>
+          <p:nvPr/>
+        </p:nvSpPr>
+        <p:spPr>
+          <a:xfrm rot="5400000">
+            <a:off x="10832607" y="4607115"/>
+            <a:ext cx="405492" cy="1280902"/>
+          </a:xfrm>
+          <a:prstGeom prst="rightBrace">
+            <a:avLst/>
+          </a:prstGeom>
+          <a:ln>
+            <a:solidFill>
+              <a:srgbClr val="47B547"/>
+            </a:solidFill>
+          </a:ln>
+        </p:spPr>
+        <p:style>
+          <a:lnRef idx="3">
+            <a:schemeClr val="accent1"/>
+          </a:lnRef>
+          <a:fillRef idx="0">
+            <a:schemeClr val="accent1"/>
+          </a:fillRef>
+          <a:effectRef idx="2">
+            <a:schemeClr val="accent1"/>
+          </a:effectRef>
+          <a:fontRef idx="minor">
+            <a:schemeClr val="tx1"/>
+          </a:fontRef>
+        </p:style>
+        <p:txBody>
+          <a:bodyPr rtlCol="0" anchor="ctr"/>
+          <a:lstStyle/>
+          <a:p>
+            <a:pPr algn="ctr"/>
+            <a:endParaRPr lang="da-DK" dirty="0"/>
+          </a:p>
+        </p:txBody>
+      </p:sp>
+      <p:sp>
+        <p:nvSpPr>
+          <p:cNvPr id="67" name="TextBox 66">
+            <a:extLst>
+              <a:ext uri="{FF2B5EF4-FFF2-40B4-BE49-F238E27FC236}">
+                <a16:creationId xmlns:a16="http://schemas.microsoft.com/office/drawing/2014/main" id="{F6F71F78-7EA9-6926-6B08-2F6E1DB37341}"/>
+              </a:ext>
+            </a:extLst>
+          </p:cNvPr>
+          <p:cNvSpPr txBox="1"/>
+          <p:nvPr/>
+        </p:nvSpPr>
+        <p:spPr>
+          <a:xfrm rot="2492650">
+            <a:off x="9471491" y="5688796"/>
+            <a:ext cx="1215397" cy="338554"/>
+          </a:xfrm>
+          <a:prstGeom prst="rect">
+            <a:avLst/>
+          </a:prstGeom>
+          <a:noFill/>
+        </p:spPr>
+        <p:txBody>
+          <a:bodyPr wrap="none" rtlCol="0">
+            <a:spAutoFit/>
+          </a:bodyPr>
+          <a:lstStyle/>
+          <a:p>
+            <a:r>
+              <a:rPr lang="da-DK" sz="1600" dirty="0">
+                <a:solidFill>
+                  <a:srgbClr val="47B547"/>
+                </a:solidFill>
+              </a:rPr>
+              <a:t>Bevægelse</a:t>
+            </a:r>
+          </a:p>
+        </p:txBody>
+      </p:sp>
+      <p:sp>
+        <p:nvSpPr>
+          <p:cNvPr id="68" name="TextBox 67">
+            <a:extLst>
+              <a:ext uri="{FF2B5EF4-FFF2-40B4-BE49-F238E27FC236}">
+                <a16:creationId xmlns:a16="http://schemas.microsoft.com/office/drawing/2014/main" id="{F7467384-713D-EA79-8155-8422D626C341}"/>
+              </a:ext>
+            </a:extLst>
+          </p:cNvPr>
+          <p:cNvSpPr txBox="1"/>
+          <p:nvPr/>
+        </p:nvSpPr>
+        <p:spPr>
+          <a:xfrm rot="2492650">
+            <a:off x="10774225" y="5646298"/>
+            <a:ext cx="1030860" cy="338554"/>
+          </a:xfrm>
+          <a:prstGeom prst="rect">
+            <a:avLst/>
+          </a:prstGeom>
+          <a:noFill/>
+        </p:spPr>
+        <p:txBody>
+          <a:bodyPr wrap="none" rtlCol="0">
+            <a:spAutoFit/>
+          </a:bodyPr>
+          <a:lstStyle/>
+          <a:p>
+            <a:r>
+              <a:rPr lang="da-DK" sz="1600" dirty="0">
+                <a:solidFill>
+                  <a:srgbClr val="47B547"/>
+                </a:solidFill>
+              </a:rPr>
+              <a:t>Vibration</a:t>
+            </a:r>
+          </a:p>
+        </p:txBody>
+      </p:sp>
+      <p:sp>
+        <p:nvSpPr>
+          <p:cNvPr id="69" name="TextBox 68">
+            <a:extLst>
+              <a:ext uri="{FF2B5EF4-FFF2-40B4-BE49-F238E27FC236}">
+                <a16:creationId xmlns:a16="http://schemas.microsoft.com/office/drawing/2014/main" id="{1D09A6B0-2AB4-BDAD-758D-D2EC8A9DD426}"/>
+              </a:ext>
+            </a:extLst>
+          </p:cNvPr>
+          <p:cNvSpPr txBox="1"/>
+          <p:nvPr/>
+        </p:nvSpPr>
+        <p:spPr>
+          <a:xfrm rot="2492650">
+            <a:off x="11656079" y="5466826"/>
+            <a:ext cx="603050" cy="338554"/>
+          </a:xfrm>
+          <a:prstGeom prst="rect">
+            <a:avLst/>
+          </a:prstGeom>
+          <a:noFill/>
+        </p:spPr>
+        <p:txBody>
+          <a:bodyPr wrap="none" rtlCol="0">
+            <a:spAutoFit/>
+          </a:bodyPr>
+          <a:lstStyle/>
+          <a:p>
+            <a:r>
+              <a:rPr lang="da-DK" sz="1600" dirty="0">
+                <a:solidFill>
+                  <a:srgbClr val="47B547"/>
+                </a:solidFill>
+              </a:rPr>
+              <a:t>CRC</a:t>
             </a:r>
           </a:p>
         </p:txBody>
@@ -6577,6 +8402,14 @@
 <file path=ppt/slides/slide5.xml><?xml version="1.0" encoding="utf-8"?>
 <p:sld xmlns:a="http://schemas.openxmlformats.org/drawingml/2006/main" xmlns:r="http://schemas.openxmlformats.org/officeDocument/2006/relationships" xmlns:p="http://schemas.openxmlformats.org/presentationml/2006/main">
   <p:cSld>
+    <p:bg>
+      <p:bgPr>
+        <a:solidFill>
+          <a:schemeClr val="bg2"/>
+        </a:solidFill>
+        <a:effectLst/>
+      </p:bgPr>
+    </p:bg>
     <p:spTree>
       <p:nvGrpSpPr>
         <p:cNvPr id="1" name=""/>
@@ -6591,12 +8424,363 @@
           <a:chExt cx="0" cy="0"/>
         </a:xfrm>
       </p:grpSpPr>
-      <p:sp>
-        <p:nvSpPr>
-          <p:cNvPr id="2" name="Title 1">
-            <a:extLst>
-              <a:ext uri="{FF2B5EF4-FFF2-40B4-BE49-F238E27FC236}">
-                <a16:creationId xmlns:a16="http://schemas.microsoft.com/office/drawing/2014/main" id="{F37AAABD-FC08-85E1-739D-51DBB572CC78}"/>
+      <p:sp useBgFill="1">
+        <p:nvSpPr>
+          <p:cNvPr id="1031" name="Rectangle 1030">
+            <a:extLst>
+              <a:ext uri="{FF2B5EF4-FFF2-40B4-BE49-F238E27FC236}">
+                <a16:creationId xmlns:a16="http://schemas.microsoft.com/office/drawing/2014/main" id="{987A0FBA-CC04-4256-A8EB-BB3C543E989C}"/>
+              </a:ext>
+              <a:ext uri="{C183D7F6-B498-43B3-948B-1728B52AA6E4}">
+                <adec:decorative xmlns:adec="http://schemas.microsoft.com/office/drawing/2017/decorative" val="1"/>
+              </a:ext>
+            </a:extLst>
+          </p:cNvPr>
+          <p:cNvSpPr>
+            <a:spLocks noGrp="1" noRot="1" noChangeAspect="1" noMove="1" noResize="1" noEditPoints="1" noAdjustHandles="1" noChangeArrowheads="1" noChangeShapeType="1" noTextEdit="1"/>
+          </p:cNvSpPr>
+          <p:nvPr>
+            <p:extLst>
+              <p:ext uri="{386F3935-93C4-4BCD-93E2-E3B085C9AB24}">
+                <p16:designElem xmlns:p16="http://schemas.microsoft.com/office/powerpoint/2015/main" val="1"/>
+              </p:ext>
+            </p:extLst>
+          </p:nvPr>
+        </p:nvSpPr>
+        <p:spPr>
+          <a:xfrm>
+            <a:off x="0" y="0"/>
+            <a:ext cx="12192000" cy="6858000"/>
+          </a:xfrm>
+          <a:prstGeom prst="rect">
+            <a:avLst/>
+          </a:prstGeom>
+          <a:ln w="12700" cap="flat" cmpd="sng" algn="ctr">
+            <a:noFill/>
+            <a:prstDash val="solid"/>
+            <a:miter lim="800000"/>
+          </a:ln>
+          <a:effectLst/>
+          <a:extLst>
+            <a:ext uri="{91240B29-F687-4F45-9708-019B960494DF}">
+              <a14:hiddenLine xmlns:a14="http://schemas.microsoft.com/office/drawing/2010/main" w="12700" cap="flat" cmpd="sng" algn="ctr">
+                <a:solidFill>
+                  <a:schemeClr val="accent1">
+                    <a:shade val="50000"/>
+                  </a:schemeClr>
+                </a:solidFill>
+                <a:prstDash val="solid"/>
+                <a:miter lim="800000"/>
+              </a14:hiddenLine>
+            </a:ext>
+          </a:extLst>
+        </p:spPr>
+        <p:style>
+          <a:lnRef idx="2">
+            <a:schemeClr val="accent1">
+              <a:shade val="50000"/>
+            </a:schemeClr>
+          </a:lnRef>
+          <a:fillRef idx="1">
+            <a:schemeClr val="accent1"/>
+          </a:fillRef>
+          <a:effectRef idx="0">
+            <a:schemeClr val="accent1"/>
+          </a:effectRef>
+          <a:fontRef idx="minor">
+            <a:schemeClr val="lt1"/>
+          </a:fontRef>
+        </p:style>
+        <p:txBody>
+          <a:bodyPr rtlCol="0" anchor="ctr"/>
+          <a:lstStyle/>
+          <a:p>
+            <a:pPr algn="ctr"/>
+            <a:endParaRPr lang="en-US"/>
+          </a:p>
+        </p:txBody>
+      </p:sp>
+      <p:pic>
+        <p:nvPicPr>
+          <p:cNvPr id="1026" name="Picture 2">
+            <a:extLst>
+              <a:ext uri="{FF2B5EF4-FFF2-40B4-BE49-F238E27FC236}">
+                <a16:creationId xmlns:a16="http://schemas.microsoft.com/office/drawing/2014/main" id="{0C2454DE-E369-33DE-2404-231B93A480BD}"/>
+              </a:ext>
+            </a:extLst>
+          </p:cNvPr>
+          <p:cNvPicPr>
+            <a:picLocks noChangeAspect="1" noChangeArrowheads="1"/>
+          </p:cNvPicPr>
+          <p:nvPr/>
+        </p:nvPicPr>
+        <p:blipFill rotWithShape="1">
+          <a:blip r:embed="rId3">
+            <a:extLst>
+              <a:ext uri="{28A0092B-C50C-407E-A947-70E740481C1C}">
+                <a14:useLocalDpi xmlns:a14="http://schemas.microsoft.com/office/drawing/2010/main" val="0"/>
+              </a:ext>
+            </a:extLst>
+          </a:blip>
+          <a:srcRect l="490" r="3" b="3"/>
+          <a:stretch/>
+        </p:blipFill>
+        <p:spPr bwMode="auto">
+          <a:xfrm>
+            <a:off x="6613174" y="10"/>
+            <a:ext cx="5578824" cy="6028246"/>
+          </a:xfrm>
+          <a:custGeom>
+            <a:avLst/>
+            <a:gdLst/>
+            <a:ahLst/>
+            <a:cxnLst/>
+            <a:rect l="l" t="t" r="r" b="b"/>
+            <a:pathLst>
+              <a:path w="5578824" h="6028256">
+                <a:moveTo>
+                  <a:pt x="1681218" y="0"/>
+                </a:moveTo>
+                <a:lnTo>
+                  <a:pt x="5578824" y="0"/>
+                </a:lnTo>
+                <a:lnTo>
+                  <a:pt x="5578824" y="5760161"/>
+                </a:lnTo>
+                <a:lnTo>
+                  <a:pt x="5441231" y="5804042"/>
+                </a:lnTo>
+                <a:cubicBezTo>
+                  <a:pt x="5079089" y="5907589"/>
+                  <a:pt x="4674877" y="5944442"/>
+                  <a:pt x="4253224" y="5980388"/>
+                </a:cubicBezTo>
+                <a:cubicBezTo>
+                  <a:pt x="2813852" y="6102970"/>
+                  <a:pt x="1551586" y="6071494"/>
+                  <a:pt x="837278" y="4877588"/>
+                </a:cubicBezTo>
+                <a:cubicBezTo>
+                  <a:pt x="529862" y="4363935"/>
+                  <a:pt x="255162" y="3847185"/>
+                  <a:pt x="109626" y="3329255"/>
+                </a:cubicBezTo>
+                <a:cubicBezTo>
+                  <a:pt x="-35907" y="2811325"/>
+                  <a:pt x="-52277" y="2292214"/>
+                  <a:pt x="156962" y="1773839"/>
+                </a:cubicBezTo>
+                <a:cubicBezTo>
+                  <a:pt x="296494" y="1428108"/>
+                  <a:pt x="536161" y="1082881"/>
+                  <a:pt x="904890" y="738354"/>
+                </a:cubicBezTo>
+                <a:cubicBezTo>
+                  <a:pt x="1036690" y="615181"/>
+                  <a:pt x="1169968" y="488910"/>
+                  <a:pt x="1304592" y="360545"/>
+                </a:cubicBezTo>
+                <a:close/>
+              </a:path>
+            </a:pathLst>
+          </a:custGeom>
+          <a:noFill/>
+          <a:extLst>
+            <a:ext uri="{909E8E84-426E-40DD-AFC4-6F175D3DCCD1}">
+              <a14:hiddenFill xmlns:a14="http://schemas.microsoft.com/office/drawing/2010/main">
+                <a:solidFill>
+                  <a:srgbClr val="FFFFFF"/>
+                </a:solidFill>
+              </a14:hiddenFill>
+            </a:ext>
+          </a:extLst>
+        </p:spPr>
+      </p:pic>
+      <p:sp>
+        <p:nvSpPr>
+          <p:cNvPr id="1033" name="Freeform: Shape 1032">
+            <a:extLst>
+              <a:ext uri="{FF2B5EF4-FFF2-40B4-BE49-F238E27FC236}">
+                <a16:creationId xmlns:a16="http://schemas.microsoft.com/office/drawing/2014/main" id="{3362A0EA-3E81-4464-94B8-70BE5870EDC0}"/>
+              </a:ext>
+              <a:ext uri="{C183D7F6-B498-43B3-948B-1728B52AA6E4}">
+                <adec:decorative xmlns:adec="http://schemas.microsoft.com/office/drawing/2017/decorative" val="1"/>
+              </a:ext>
+            </a:extLst>
+          </p:cNvPr>
+          <p:cNvSpPr>
+            <a:spLocks noGrp="1" noRot="1" noChangeAspect="1" noMove="1" noResize="1" noEditPoints="1" noAdjustHandles="1" noChangeArrowheads="1" noChangeShapeType="1" noTextEdit="1"/>
+          </p:cNvSpPr>
+          <p:nvPr>
+            <p:extLst>
+              <p:ext uri="{386F3935-93C4-4BCD-93E2-E3B085C9AB24}">
+                <p16:designElem xmlns:p16="http://schemas.microsoft.com/office/powerpoint/2015/main" val="1"/>
+              </p:ext>
+            </p:extLst>
+          </p:nvPr>
+        </p:nvSpPr>
+        <p:spPr>
+          <a:xfrm flipH="1">
+            <a:off x="6487883" y="0"/>
+            <a:ext cx="5704117" cy="6096000"/>
+          </a:xfrm>
+          <a:custGeom>
+            <a:avLst/>
+            <a:gdLst>
+              <a:gd name="connsiteX0" fmla="*/ 0 w 5704117"/>
+              <a:gd name="connsiteY0" fmla="*/ 0 h 6096000"/>
+              <a:gd name="connsiteX1" fmla="*/ 4562795 w 5704117"/>
+              <a:gd name="connsiteY1" fmla="*/ 0 h 6096000"/>
+              <a:gd name="connsiteX2" fmla="*/ 4721192 w 5704117"/>
+              <a:gd name="connsiteY2" fmla="*/ 133595 h 6096000"/>
+              <a:gd name="connsiteX3" fmla="*/ 5467522 w 5704117"/>
+              <a:gd name="connsiteY3" fmla="*/ 1054328 h 6096000"/>
+              <a:gd name="connsiteX4" fmla="*/ 5538873 w 5704117"/>
+              <a:gd name="connsiteY4" fmla="*/ 2897564 h 6096000"/>
+              <a:gd name="connsiteX5" fmla="*/ 4442050 w 5704117"/>
+              <a:gd name="connsiteY5" fmla="*/ 4732407 h 6096000"/>
+              <a:gd name="connsiteX6" fmla="*/ 93046 w 5704117"/>
+              <a:gd name="connsiteY6" fmla="*/ 6082857 h 6096000"/>
+              <a:gd name="connsiteX7" fmla="*/ 0 w 5704117"/>
+              <a:gd name="connsiteY7" fmla="*/ 6078450 h 6096000"/>
+              <a:gd name="connsiteX0" fmla="*/ 4562795 w 5704117"/>
+              <a:gd name="connsiteY0" fmla="*/ 0 h 6096000"/>
+              <a:gd name="connsiteX1" fmla="*/ 4721192 w 5704117"/>
+              <a:gd name="connsiteY1" fmla="*/ 133595 h 6096000"/>
+              <a:gd name="connsiteX2" fmla="*/ 5467522 w 5704117"/>
+              <a:gd name="connsiteY2" fmla="*/ 1054328 h 6096000"/>
+              <a:gd name="connsiteX3" fmla="*/ 5538873 w 5704117"/>
+              <a:gd name="connsiteY3" fmla="*/ 2897564 h 6096000"/>
+              <a:gd name="connsiteX4" fmla="*/ 4442050 w 5704117"/>
+              <a:gd name="connsiteY4" fmla="*/ 4732407 h 6096000"/>
+              <a:gd name="connsiteX5" fmla="*/ 93046 w 5704117"/>
+              <a:gd name="connsiteY5" fmla="*/ 6082857 h 6096000"/>
+              <a:gd name="connsiteX6" fmla="*/ 0 w 5704117"/>
+              <a:gd name="connsiteY6" fmla="*/ 6078450 h 6096000"/>
+              <a:gd name="connsiteX7" fmla="*/ 91440 w 5704117"/>
+              <a:gd name="connsiteY7" fmla="*/ 91440 h 6096000"/>
+              <a:gd name="connsiteX0" fmla="*/ 4562795 w 5704117"/>
+              <a:gd name="connsiteY0" fmla="*/ 0 h 6096000"/>
+              <a:gd name="connsiteX1" fmla="*/ 4721192 w 5704117"/>
+              <a:gd name="connsiteY1" fmla="*/ 133595 h 6096000"/>
+              <a:gd name="connsiteX2" fmla="*/ 5467522 w 5704117"/>
+              <a:gd name="connsiteY2" fmla="*/ 1054328 h 6096000"/>
+              <a:gd name="connsiteX3" fmla="*/ 5538873 w 5704117"/>
+              <a:gd name="connsiteY3" fmla="*/ 2897564 h 6096000"/>
+              <a:gd name="connsiteX4" fmla="*/ 4442050 w 5704117"/>
+              <a:gd name="connsiteY4" fmla="*/ 4732407 h 6096000"/>
+              <a:gd name="connsiteX5" fmla="*/ 93046 w 5704117"/>
+              <a:gd name="connsiteY5" fmla="*/ 6082857 h 6096000"/>
+              <a:gd name="connsiteX6" fmla="*/ 0 w 5704117"/>
+              <a:gd name="connsiteY6" fmla="*/ 6078450 h 6096000"/>
+            </a:gdLst>
+            <a:ahLst/>
+            <a:cxnLst>
+              <a:cxn ang="0">
+                <a:pos x="connsiteX0" y="connsiteY0"/>
+              </a:cxn>
+              <a:cxn ang="0">
+                <a:pos x="connsiteX1" y="connsiteY1"/>
+              </a:cxn>
+              <a:cxn ang="0">
+                <a:pos x="connsiteX2" y="connsiteY2"/>
+              </a:cxn>
+              <a:cxn ang="0">
+                <a:pos x="connsiteX3" y="connsiteY3"/>
+              </a:cxn>
+              <a:cxn ang="0">
+                <a:pos x="connsiteX4" y="connsiteY4"/>
+              </a:cxn>
+              <a:cxn ang="0">
+                <a:pos x="connsiteX5" y="connsiteY5"/>
+              </a:cxn>
+              <a:cxn ang="0">
+                <a:pos x="connsiteX6" y="connsiteY6"/>
+              </a:cxn>
+            </a:cxnLst>
+            <a:rect l="l" t="t" r="r" b="b"/>
+            <a:pathLst>
+              <a:path w="5704117" h="6096000">
+                <a:moveTo>
+                  <a:pt x="4562795" y="0"/>
+                </a:moveTo>
+                <a:lnTo>
+                  <a:pt x="4721192" y="133595"/>
+                </a:lnTo>
+                <a:cubicBezTo>
+                  <a:pt x="5067135" y="440105"/>
+                  <a:pt x="5309779" y="747048"/>
+                  <a:pt x="5467522" y="1054328"/>
+                </a:cubicBezTo>
+                <a:cubicBezTo>
+                  <a:pt x="5782917" y="1668625"/>
+                  <a:pt x="5758242" y="2283795"/>
+                  <a:pt x="5538873" y="2897564"/>
+                </a:cubicBezTo>
+                <a:cubicBezTo>
+                  <a:pt x="5319500" y="3511334"/>
+                  <a:pt x="4905433" y="4123706"/>
+                  <a:pt x="4442050" y="4732407"/>
+                </a:cubicBezTo>
+                <a:cubicBezTo>
+                  <a:pt x="3499930" y="5970384"/>
+                  <a:pt x="1925433" y="6153690"/>
+                  <a:pt x="93046" y="6082857"/>
+                </a:cubicBezTo>
+                <a:lnTo>
+                  <a:pt x="0" y="6078450"/>
+                </a:lnTo>
+              </a:path>
+            </a:pathLst>
+          </a:custGeom>
+          <a:noFill/>
+          <a:ln w="19050">
+            <a:solidFill>
+              <a:schemeClr val="accent2">
+                <a:lumMod val="60000"/>
+                <a:lumOff val="40000"/>
+              </a:schemeClr>
+            </a:solidFill>
+          </a:ln>
+        </p:spPr>
+        <p:style>
+          <a:lnRef idx="2">
+            <a:schemeClr val="accent1">
+              <a:shade val="50000"/>
+            </a:schemeClr>
+          </a:lnRef>
+          <a:fillRef idx="1">
+            <a:schemeClr val="accent1"/>
+          </a:fillRef>
+          <a:effectRef idx="0">
+            <a:schemeClr val="accent1"/>
+          </a:effectRef>
+          <a:fontRef idx="minor">
+            <a:schemeClr val="lt1"/>
+          </a:fontRef>
+        </p:style>
+        <p:txBody>
+          <a:bodyPr wrap="square" rtlCol="0" anchor="ctr">
+            <a:noAutofit/>
+          </a:bodyPr>
+          <a:lstStyle/>
+          <a:p>
+            <a:pPr algn="ctr"/>
+            <a:endParaRPr lang="en-US">
+              <a:solidFill>
+                <a:prstClr val="white"/>
+              </a:solidFill>
+              <a:latin typeface="Avenir Next LT Pro Light"/>
+            </a:endParaRPr>
+          </a:p>
+        </p:txBody>
+      </p:sp>
+      <p:sp>
+        <p:nvSpPr>
+          <p:cNvPr id="3" name="Content Placeholder 2">
+            <a:extLst>
+              <a:ext uri="{FF2B5EF4-FFF2-40B4-BE49-F238E27FC236}">
+                <a16:creationId xmlns:a16="http://schemas.microsoft.com/office/drawing/2014/main" id="{57C9E555-E8BC-FDE0-00A1-5F4213973E26}"/>
               </a:ext>
             </a:extLst>
           </p:cNvPr>
@@ -6604,27 +8788,52 @@
             <a:spLocks noGrp="1"/>
           </p:cNvSpPr>
           <p:nvPr>
-            <p:ph type="title"/>
-          </p:nvPr>
-        </p:nvSpPr>
-        <p:spPr/>
-        <p:txBody>
-          <a:bodyPr/>
-          <a:lstStyle/>
-          <a:p>
-            <a:r>
-              <a:rPr lang="da-DK" dirty="0"/>
-              <a:t>Konklusion af projektet</a:t>
-            </a:r>
-          </a:p>
-        </p:txBody>
-      </p:sp>
-      <p:sp>
-        <p:nvSpPr>
-          <p:cNvPr id="3" name="Content Placeholder 2">
-            <a:extLst>
-              <a:ext uri="{FF2B5EF4-FFF2-40B4-BE49-F238E27FC236}">
-                <a16:creationId xmlns:a16="http://schemas.microsoft.com/office/drawing/2014/main" id="{57C9E555-E8BC-FDE0-00A1-5F4213973E26}"/>
+            <p:ph idx="1"/>
+          </p:nvPr>
+        </p:nvSpPr>
+        <p:spPr>
+          <a:xfrm>
+            <a:off x="762000" y="2286000"/>
+            <a:ext cx="5334000" cy="3810001"/>
+          </a:xfrm>
+        </p:spPr>
+        <p:txBody>
+          <a:bodyPr>
+            <a:normAutofit/>
+          </a:bodyPr>
+          <a:lstStyle/>
+          <a:p>
+            <a:r>
+              <a:rPr lang="da-DK" sz="2400"/>
+              <a:t>Kommunikation</a:t>
+            </a:r>
+          </a:p>
+          <a:p>
+            <a:r>
+              <a:rPr lang="da-DK" sz="2400"/>
+              <a:t>Sensorer</a:t>
+            </a:r>
+          </a:p>
+          <a:p>
+            <a:r>
+              <a:rPr lang="da-DK" sz="2400"/>
+              <a:t>Batteri</a:t>
+            </a:r>
+          </a:p>
+          <a:p>
+            <a:r>
+              <a:rPr lang="da-DK" sz="2400"/>
+              <a:t>EMC</a:t>
+            </a:r>
+          </a:p>
+        </p:txBody>
+      </p:sp>
+      <p:sp>
+        <p:nvSpPr>
+          <p:cNvPr id="2" name="Title 1">
+            <a:extLst>
+              <a:ext uri="{FF2B5EF4-FFF2-40B4-BE49-F238E27FC236}">
+                <a16:creationId xmlns:a16="http://schemas.microsoft.com/office/drawing/2014/main" id="{F37AAABD-FC08-85E1-739D-51DBB572CC78}"/>
               </a:ext>
             </a:extLst>
           </p:cNvPr>
@@ -6632,35 +8841,24 @@
             <a:spLocks noGrp="1"/>
           </p:cNvSpPr>
           <p:nvPr>
-            <p:ph idx="1"/>
-          </p:nvPr>
-        </p:nvSpPr>
-        <p:spPr/>
-        <p:txBody>
-          <a:bodyPr/>
-          <a:lstStyle/>
-          <a:p>
-            <a:r>
-              <a:rPr lang="da-DK" dirty="0"/>
-              <a:t>Kommunikation</a:t>
-            </a:r>
-          </a:p>
-          <a:p>
-            <a:r>
-              <a:rPr lang="da-DK" dirty="0"/>
-              <a:t>Sensorer</a:t>
-            </a:r>
-          </a:p>
-          <a:p>
-            <a:r>
-              <a:rPr lang="da-DK" dirty="0"/>
-              <a:t>Batteri</a:t>
-            </a:r>
-          </a:p>
-          <a:p>
-            <a:r>
-              <a:rPr lang="da-DK" dirty="0"/>
-              <a:t>EMC</a:t>
+            <p:ph type="title"/>
+          </p:nvPr>
+        </p:nvSpPr>
+        <p:spPr>
+          <a:xfrm>
+            <a:off x="762000" y="762000"/>
+            <a:ext cx="5334000" cy="1524000"/>
+          </a:xfrm>
+        </p:spPr>
+        <p:txBody>
+          <a:bodyPr>
+            <a:normAutofit/>
+          </a:bodyPr>
+          <a:lstStyle/>
+          <a:p>
+            <a:r>
+              <a:rPr lang="da-DK" sz="3200"/>
+              <a:t>Konklusion af projektet</a:t>
             </a:r>
           </a:p>
         </p:txBody>
@@ -6680,7 +8878,7 @@
           <p:nvPr/>
         </p:nvPicPr>
         <p:blipFill>
-          <a:blip r:embed="rId3">
+          <a:blip r:embed="rId4">
             <a:extLst>
               <a:ext uri="{28A0092B-C50C-407E-A947-70E740481C1C}">
                 <a14:useLocalDpi xmlns:a14="http://schemas.microsoft.com/office/drawing/2010/main" val="0"/>
@@ -6727,7 +8925,7 @@
           <p:nvPr/>
         </p:nvPicPr>
         <p:blipFill>
-          <a:blip r:embed="rId4">
+          <a:blip r:embed="rId5">
             <a:extLst>
               <a:ext uri="{28A0092B-C50C-407E-A947-70E740481C1C}">
                 <a14:useLocalDpi xmlns:a14="http://schemas.microsoft.com/office/drawing/2010/main" val="0"/>
@@ -6748,6 +8946,41 @@
           </a:prstGeom>
         </p:spPr>
       </p:pic>
+      <p:sp>
+        <p:nvSpPr>
+          <p:cNvPr id="7" name="TextBox 6">
+            <a:extLst>
+              <a:ext uri="{FF2B5EF4-FFF2-40B4-BE49-F238E27FC236}">
+                <a16:creationId xmlns:a16="http://schemas.microsoft.com/office/drawing/2014/main" id="{690655E3-F120-BAB3-3B06-9FECE6727BA1}"/>
+              </a:ext>
+            </a:extLst>
+          </p:cNvPr>
+          <p:cNvSpPr txBox="1"/>
+          <p:nvPr/>
+        </p:nvSpPr>
+        <p:spPr>
+          <a:xfrm>
+            <a:off x="3048000" y="3249096"/>
+            <a:ext cx="6096000" cy="369332"/>
+          </a:xfrm>
+          <a:prstGeom prst="rect">
+            <a:avLst/>
+          </a:prstGeom>
+          <a:noFill/>
+        </p:spPr>
+        <p:txBody>
+          <a:bodyPr wrap="square">
+            <a:spAutoFit/>
+          </a:bodyPr>
+          <a:lstStyle/>
+          <a:p>
+            <a:endParaRPr lang="da-DK" dirty="0">
+              <a:effectLst/>
+              <a:hlinkClick r:id="rId6"/>
+            </a:endParaRPr>
+          </a:p>
+        </p:txBody>
+      </p:sp>
     </p:spTree>
     <p:extLst>
       <p:ext uri="{BB962C8B-B14F-4D97-AF65-F5344CB8AC3E}">
